--- a/Slides/QLS-MiCM Data Processing in Python (Part 2) Workshop PPT.pptx
+++ b/Slides/QLS-MiCM Data Processing in Python (Part 2) Workshop PPT.pptx
@@ -2921,13 +2921,13 @@
         </p:nvSpPr>
         <p:spPr>
           <a:xfrm>
-            <a:off x="1897747" y="2527657"/>
-            <a:ext cx="5348506" cy="1802685"/>
+            <a:off x="838200" y="2527657"/>
+            <a:ext cx="7467600" cy="1802685"/>
           </a:xfrm>
         </p:spPr>
         <p:txBody>
           <a:bodyPr>
-            <a:normAutofit/>
+            <a:normAutofit fontScale="90000"/>
           </a:bodyPr>
           <a:lstStyle/>
           <a:p>
@@ -2937,7 +2937,7 @@
                 <a:latin typeface="Helvetica"/>
                 <a:cs typeface="Helvetica"/>
               </a:rPr>
-              <a:t>Intro to Python</a:t>
+              <a:t>Data Processing in Python</a:t>
             </a:r>
             <a:br>
               <a:rPr lang="en-CA" dirty="0">
@@ -2950,7 +2950,7 @@
                 <a:latin typeface="Helvetica"/>
                 <a:cs typeface="Helvetica"/>
               </a:rPr>
-              <a:t>Part 1</a:t>
+              <a:t>Part 2</a:t>
             </a:r>
             <a:endParaRPr lang="en-CA" dirty="0">
               <a:latin typeface="Helvetica" pitchFamily="2" charset="0"/>
@@ -12515,48 +12515,15 @@
         </p:nvSpPr>
         <p:spPr>
           <a:xfrm>
-            <a:off x="883699" y="1457222"/>
+            <a:off x="882991" y="1190522"/>
             <a:ext cx="7378018" cy="5309597"/>
           </a:xfrm>
         </p:spPr>
         <p:txBody>
           <a:bodyPr vert="horz" lIns="91440" tIns="45720" rIns="91440" bIns="45720" rtlCol="0" anchor="t">
-            <a:normAutofit/>
+            <a:normAutofit lnSpcReduction="10000"/>
           </a:bodyPr>
           <a:lstStyle/>
-          <a:p>
-            <a:pPr marL="227965" indent="-227965">
-              <a:lnSpc>
-                <a:spcPct val="150000"/>
-              </a:lnSpc>
-              <a:spcBef>
-                <a:spcPts val="0"/>
-              </a:spcBef>
-              <a:buFont typeface="Wingdings" pitchFamily="2" charset="2"/>
-              <a:buChar char="ü"/>
-            </a:pPr>
-            <a:r>
-              <a:rPr lang="en-CA" sz="1800" b="1" dirty="0">
-                <a:latin typeface="Helvetica"/>
-                <a:ea typeface="Calibri" panose="020F0502020204030204" pitchFamily="34" charset="0"/>
-                <a:cs typeface="Helvetica"/>
-              </a:rPr>
-              <a:t>Functions</a:t>
-            </a:r>
-            <a:r>
-              <a:rPr lang="en-CA" sz="1800" dirty="0">
-                <a:latin typeface="Helvetica"/>
-                <a:ea typeface="Calibri" panose="020F0502020204030204" pitchFamily="34" charset="0"/>
-                <a:cs typeface="Helvetica"/>
-              </a:rPr>
-              <a:t> allow us to package up behaviour to use over and over.</a:t>
-            </a:r>
-            <a:endParaRPr lang="en-CA" sz="1800" b="1" dirty="0">
-              <a:latin typeface="Helvetica" pitchFamily="2" charset="0"/>
-              <a:ea typeface="Calibri" panose="020F0502020204030204" pitchFamily="34" charset="0"/>
-              <a:cs typeface="Helvetica"/>
-            </a:endParaRPr>
-          </a:p>
           <a:p>
             <a:pPr marL="227965" indent="-227965">
               <a:lnSpc>
@@ -12574,7 +12541,7 @@
                 <a:ea typeface="Calibri"/>
                 <a:cs typeface="Helvetica"/>
               </a:rPr>
-              <a:t>Data classes</a:t>
+              <a:t>Modules</a:t>
             </a:r>
             <a:r>
               <a:rPr lang="en-CA" sz="1800" dirty="0">
@@ -12590,7 +12557,7 @@
                 <a:ea typeface="Calibri"/>
                 <a:cs typeface="Helvetica"/>
               </a:rPr>
-              <a:t>enumerations</a:t>
+              <a:t>packages</a:t>
             </a:r>
             <a:r>
               <a:rPr lang="en-CA" sz="1800" dirty="0">
@@ -12598,7 +12565,7 @@
                 <a:ea typeface="Calibri"/>
                 <a:cs typeface="Helvetica"/>
               </a:rPr>
-              <a:t> help us easily represent the real world in code.</a:t>
+              <a:t> allow for code written by others to be easily imported and reused.</a:t>
             </a:r>
             <a:endParaRPr lang="en-CA" sz="1800" b="1" dirty="0">
               <a:latin typeface="Helvetica"/>
@@ -12661,11 +12628,86 @@
               </a:rPr>
               <a:t> can be used to generate many different types of plots.</a:t>
             </a:r>
-            <a:endParaRPr lang="en-CA" sz="1800" b="1" dirty="0">
-              <a:latin typeface="Helvetica"/>
-              <a:ea typeface="Calibri"/>
-              <a:cs typeface="Helvetica"/>
-            </a:endParaRPr>
+          </a:p>
+          <a:p>
+            <a:pPr marL="227965" indent="-227965">
+              <a:lnSpc>
+                <a:spcPct val="150000"/>
+              </a:lnSpc>
+              <a:spcBef>
+                <a:spcPts val="0"/>
+              </a:spcBef>
+              <a:buFont typeface="Wingdings" pitchFamily="2" charset="2"/>
+              <a:buChar char="ü"/>
+            </a:pPr>
+            <a:r>
+              <a:rPr lang="en-CA" sz="1800" b="1" dirty="0">
+                <a:latin typeface="Helvetica"/>
+                <a:ea typeface="Calibri"/>
+                <a:cs typeface="Helvetica"/>
+              </a:rPr>
+              <a:t>pandas</a:t>
+            </a:r>
+            <a:r>
+              <a:rPr lang="en-CA" sz="1800" dirty="0">
+                <a:latin typeface="Helvetica"/>
+                <a:ea typeface="Calibri"/>
+                <a:cs typeface="Helvetica"/>
+              </a:rPr>
+              <a:t> </a:t>
+            </a:r>
+            <a:r>
+              <a:rPr lang="en-CA" sz="1800" b="1" dirty="0" err="1">
+                <a:latin typeface="Helvetica"/>
+                <a:ea typeface="Calibri"/>
+                <a:cs typeface="Helvetica"/>
+              </a:rPr>
+              <a:t>DataFrames</a:t>
+            </a:r>
+            <a:r>
+              <a:rPr lang="en-CA" sz="1800" dirty="0">
+                <a:latin typeface="Helvetica"/>
+                <a:ea typeface="Calibri"/>
+                <a:cs typeface="Helvetica"/>
+              </a:rPr>
+              <a:t> represent data in tables.</a:t>
+            </a:r>
+          </a:p>
+          <a:p>
+            <a:pPr marL="227965" indent="-227965">
+              <a:lnSpc>
+                <a:spcPct val="150000"/>
+              </a:lnSpc>
+              <a:spcBef>
+                <a:spcPts val="0"/>
+              </a:spcBef>
+              <a:buFont typeface="Wingdings" pitchFamily="2" charset="2"/>
+              <a:buChar char="ü"/>
+            </a:pPr>
+            <a:r>
+              <a:rPr lang="en-CA" sz="1800" dirty="0">
+                <a:latin typeface="Helvetica"/>
+                <a:ea typeface="Calibri"/>
+                <a:cs typeface="Helvetica"/>
+              </a:rPr>
+              <a:t>Big projects have </a:t>
+            </a:r>
+            <a:r>
+              <a:rPr lang="en-CA" sz="1800" b="1" dirty="0">
+                <a:latin typeface="Helvetica"/>
+                <a:ea typeface="Calibri"/>
+                <a:cs typeface="Helvetica"/>
+              </a:rPr>
+              <a:t>documentation</a:t>
+            </a:r>
+            <a:r>
+              <a:rPr lang="en-CA" sz="1800" dirty="0">
+                <a:latin typeface="Helvetica"/>
+                <a:ea typeface="Calibri"/>
+                <a:cs typeface="Helvetica"/>
+              </a:rPr>
+              <a:t> to explain their functionality.</a:t>
+            </a:r>
           </a:p>
           <a:p>
             <a:pPr marL="0" lvl="0" indent="0">
@@ -12700,7 +12742,7 @@
                 <a:ea typeface="Arial" panose="020B0604020202020204" pitchFamily="34" charset="0"/>
                 <a:cs typeface="Helvetica"/>
               </a:rPr>
-              <a:t>Define your own functions to simplify important tasks.</a:t>
+              <a:t>Import code from existing modules and packages.</a:t>
             </a:r>
           </a:p>
           <a:p>
@@ -12718,7 +12760,7 @@
                 <a:ea typeface="Arial" panose="020B0604020202020204" pitchFamily="34" charset="0"/>
                 <a:cs typeface="Helvetica"/>
               </a:rPr>
-              <a:t>Define new classes to help represent new types of data.</a:t>
+              <a:t>Use NumPy to easily process multidimensional data.</a:t>
             </a:r>
           </a:p>
           <a:p>
@@ -12736,7 +12778,7 @@
                 <a:ea typeface="Arial" panose="020B0604020202020204" pitchFamily="34" charset="0"/>
                 <a:cs typeface="Helvetica"/>
               </a:rPr>
-              <a:t>Use NumPy arrays to perform large calculations.</a:t>
+              <a:t>Use Matplotlib to generate different types of plots to visualise data.</a:t>
             </a:r>
           </a:p>
           <a:p>
@@ -12754,7 +12796,7 @@
                 <a:ea typeface="Arial" panose="020B0604020202020204" pitchFamily="34" charset="0"/>
                 <a:cs typeface="Helvetica"/>
               </a:rPr>
-              <a:t>Use Matplotlib to easily visualise your results.</a:t>
+              <a:t>Approach a new package and explore its documentation and examples.</a:t>
             </a:r>
           </a:p>
         </p:txBody>

--- a/Slides/QLS-MiCM Data Processing in Python (Part 2) Workshop PPT.pptx
+++ b/Slides/QLS-MiCM Data Processing in Python (Part 2) Workshop PPT.pptx
@@ -2999,7 +2999,7 @@
               <a:rPr lang="en-CA" sz="1800" dirty="0">
                 <a:latin typeface="Helvetica Light"/>
               </a:rPr>
-              <a:t>February 11, 2025</a:t>
+              <a:t>February 25, 2025</a:t>
             </a:r>
             <a:endParaRPr lang="en-CA" dirty="0">
               <a:latin typeface="Helvetica Light"/>

--- a/Slides/QLS-MiCM Data Processing in Python (Part 2) Workshop PPT.pptx
+++ b/Slides/QLS-MiCM Data Processing in Python (Part 2) Workshop PPT.pptx
@@ -11831,7 +11831,7 @@
           <p:nvPr>
             <p:extLst>
               <p:ext uri="{D42A27DB-BD31-4B8C-83A1-F6EECF244321}">
-                <p14:modId xmlns:p14="http://schemas.microsoft.com/office/powerpoint/2010/main" val="1672036133"/>
+                <p14:modId xmlns:p14="http://schemas.microsoft.com/office/powerpoint/2010/main" val="1248996662"/>
               </p:ext>
             </p:extLst>
           </p:nvPr>
@@ -12380,7 +12380,7 @@
         <p:spPr>
           <a:xfrm>
             <a:off x="228600" y="165100"/>
-            <a:ext cx="6013954" cy="584775"/>
+            <a:ext cx="5952655" cy="584775"/>
           </a:xfrm>
           <a:prstGeom prst="rect">
             <a:avLst/>
@@ -12395,7 +12395,7 @@
           <a:p>
             <a:r>
               <a:rPr lang="en-CA" sz="3200" dirty="0"/>
-              <a:t>By numerical index: </a:t>
+              <a:t>By integer number: </a:t>
             </a:r>
             <a:r>
               <a:rPr lang="en-CA" sz="3200" dirty="0" err="1">

--- a/Slides/QLS-MiCM Data Processing in Python (Part 2) Workshop PPT.pptx
+++ b/Slides/QLS-MiCM Data Processing in Python (Part 2) Workshop PPT.pptx
@@ -5,34 +5,35 @@
     <p:sldMasterId id="2147483660" r:id="rId1"/>
   </p:sldMasterIdLst>
   <p:notesMasterIdLst>
-    <p:notesMasterId r:id="rId24"/>
+    <p:notesMasterId r:id="rId25"/>
   </p:notesMasterIdLst>
   <p:handoutMasterIdLst>
-    <p:handoutMasterId r:id="rId25"/>
+    <p:handoutMasterId r:id="rId26"/>
   </p:handoutMasterIdLst>
   <p:sldIdLst>
     <p:sldId id="316" r:id="rId2"/>
     <p:sldId id="321" r:id="rId3"/>
     <p:sldId id="338" r:id="rId4"/>
-    <p:sldId id="373" r:id="rId5"/>
-    <p:sldId id="383" r:id="rId6"/>
-    <p:sldId id="329" r:id="rId7"/>
-    <p:sldId id="366" r:id="rId8"/>
-    <p:sldId id="367" r:id="rId9"/>
-    <p:sldId id="384" r:id="rId10"/>
-    <p:sldId id="369" r:id="rId11"/>
-    <p:sldId id="385" r:id="rId12"/>
-    <p:sldId id="371" r:id="rId13"/>
-    <p:sldId id="386" r:id="rId14"/>
-    <p:sldId id="387" r:id="rId15"/>
-    <p:sldId id="375" r:id="rId16"/>
-    <p:sldId id="374" r:id="rId17"/>
-    <p:sldId id="392" r:id="rId18"/>
-    <p:sldId id="389" r:id="rId19"/>
-    <p:sldId id="390" r:id="rId20"/>
-    <p:sldId id="391" r:id="rId21"/>
-    <p:sldId id="388" r:id="rId22"/>
-    <p:sldId id="340" r:id="rId23"/>
+    <p:sldId id="393" r:id="rId5"/>
+    <p:sldId id="373" r:id="rId6"/>
+    <p:sldId id="383" r:id="rId7"/>
+    <p:sldId id="329" r:id="rId8"/>
+    <p:sldId id="366" r:id="rId9"/>
+    <p:sldId id="367" r:id="rId10"/>
+    <p:sldId id="384" r:id="rId11"/>
+    <p:sldId id="369" r:id="rId12"/>
+    <p:sldId id="385" r:id="rId13"/>
+    <p:sldId id="371" r:id="rId14"/>
+    <p:sldId id="386" r:id="rId15"/>
+    <p:sldId id="387" r:id="rId16"/>
+    <p:sldId id="375" r:id="rId17"/>
+    <p:sldId id="374" r:id="rId18"/>
+    <p:sldId id="392" r:id="rId19"/>
+    <p:sldId id="389" r:id="rId20"/>
+    <p:sldId id="390" r:id="rId21"/>
+    <p:sldId id="391" r:id="rId22"/>
+    <p:sldId id="388" r:id="rId23"/>
+    <p:sldId id="340" r:id="rId24"/>
   </p:sldIdLst>
   <p:sldSz cx="9144000" cy="6858000" type="screen4x3"/>
   <p:notesSz cx="6858000" cy="9144000"/>
@@ -972,7 +973,7 @@
           <a:p>
             <a:fld id="{DACBD60B-517C-4242-AE46-E1BD2D086542}" type="slidenum">
               <a:rPr lang="fr-FR" smtClean="0"/>
-              <a:t>6</a:t>
+              <a:t>7</a:t>
             </a:fld>
             <a:endParaRPr lang="fr-FR"/>
           </a:p>
@@ -1056,7 +1057,7 @@
           <a:p>
             <a:fld id="{DACBD60B-517C-4242-AE46-E1BD2D086542}" type="slidenum">
               <a:rPr lang="fr-FR" smtClean="0"/>
-              <a:t>22</a:t>
+              <a:t>23</a:t>
             </a:fld>
             <a:endParaRPr lang="fr-FR"/>
           </a:p>
@@ -3115,6 +3116,925 @@
                       <a:r>
                         <a:rPr lang="en-CA" sz="2500" b="1" dirty="0">
                           <a:solidFill>
+                            <a:schemeClr val="tx1"/>
+                          </a:solidFill>
+                        </a:rPr>
+                        <a:t>(0, 0)</a:t>
+                      </a:r>
+                    </a:p>
+                  </a:txBody>
+                  <a:tcPr marL="125476" marR="125476" marT="62738" marB="62738" anchor="ctr">
+                    <a:lnL w="28575" cap="flat" cmpd="sng" algn="ctr">
+                      <a:solidFill>
+                        <a:schemeClr val="tx1"/>
+                      </a:solidFill>
+                      <a:prstDash val="solid"/>
+                      <a:round/>
+                      <a:headEnd type="none" w="med" len="med"/>
+                      <a:tailEnd type="none" w="med" len="med"/>
+                    </a:lnL>
+                    <a:lnT w="28575" cap="flat" cmpd="sng" algn="ctr">
+                      <a:solidFill>
+                        <a:schemeClr val="tx1"/>
+                      </a:solidFill>
+                      <a:prstDash val="solid"/>
+                      <a:round/>
+                      <a:headEnd type="none" w="med" len="med"/>
+                      <a:tailEnd type="none" w="med" len="med"/>
+                    </a:lnT>
+                    <a:solidFill>
+                      <a:schemeClr val="tx1">
+                        <a:alpha val="19778"/>
+                      </a:schemeClr>
+                    </a:solidFill>
+                  </a:tcPr>
+                </a:tc>
+                <a:tc>
+                  <a:txBody>
+                    <a:bodyPr/>
+                    <a:lstStyle/>
+                    <a:p>
+                      <a:pPr algn="ctr"/>
+                      <a:r>
+                        <a:rPr lang="en-CA" sz="2500" b="1" dirty="0">
+                          <a:solidFill>
+                            <a:schemeClr val="tx1"/>
+                          </a:solidFill>
+                        </a:rPr>
+                        <a:t>(0, 1)</a:t>
+                      </a:r>
+                    </a:p>
+                  </a:txBody>
+                  <a:tcPr marL="125476" marR="125476" marT="62738" marB="62738" anchor="ctr">
+                    <a:lnT w="28575" cap="flat" cmpd="sng" algn="ctr">
+                      <a:solidFill>
+                        <a:schemeClr val="tx1"/>
+                      </a:solidFill>
+                      <a:prstDash val="solid"/>
+                      <a:round/>
+                      <a:headEnd type="none" w="med" len="med"/>
+                      <a:tailEnd type="none" w="med" len="med"/>
+                    </a:lnT>
+                    <a:solidFill>
+                      <a:schemeClr val="tx1">
+                        <a:alpha val="19778"/>
+                      </a:schemeClr>
+                    </a:solidFill>
+                  </a:tcPr>
+                </a:tc>
+                <a:tc>
+                  <a:txBody>
+                    <a:bodyPr/>
+                    <a:lstStyle/>
+                    <a:p>
+                      <a:pPr algn="ctr"/>
+                      <a:r>
+                        <a:rPr lang="en-CA" sz="2500" b="1" dirty="0">
+                          <a:solidFill>
+                            <a:schemeClr val="tx1"/>
+                          </a:solidFill>
+                        </a:rPr>
+                        <a:t>(0, 2)</a:t>
+                      </a:r>
+                    </a:p>
+                  </a:txBody>
+                  <a:tcPr marL="125476" marR="125476" marT="62738" marB="62738" anchor="ctr">
+                    <a:lnT w="28575" cap="flat" cmpd="sng" algn="ctr">
+                      <a:solidFill>
+                        <a:schemeClr val="tx1"/>
+                      </a:solidFill>
+                      <a:prstDash val="solid"/>
+                      <a:round/>
+                      <a:headEnd type="none" w="med" len="med"/>
+                      <a:tailEnd type="none" w="med" len="med"/>
+                    </a:lnT>
+                    <a:solidFill>
+                      <a:schemeClr val="tx1">
+                        <a:alpha val="19778"/>
+                      </a:schemeClr>
+                    </a:solidFill>
+                  </a:tcPr>
+                </a:tc>
+                <a:tc>
+                  <a:txBody>
+                    <a:bodyPr/>
+                    <a:lstStyle/>
+                    <a:p>
+                      <a:pPr algn="ctr"/>
+                      <a:r>
+                        <a:rPr lang="en-CA" sz="2500" b="1" dirty="0">
+                          <a:solidFill>
+                            <a:schemeClr val="tx1"/>
+                          </a:solidFill>
+                        </a:rPr>
+                        <a:t>(0, 3)</a:t>
+                      </a:r>
+                    </a:p>
+                  </a:txBody>
+                  <a:tcPr marL="125476" marR="125476" marT="62738" marB="62738" anchor="ctr">
+                    <a:lnT w="28575" cap="flat" cmpd="sng" algn="ctr">
+                      <a:solidFill>
+                        <a:schemeClr val="tx1"/>
+                      </a:solidFill>
+                      <a:prstDash val="solid"/>
+                      <a:round/>
+                      <a:headEnd type="none" w="med" len="med"/>
+                      <a:tailEnd type="none" w="med" len="med"/>
+                    </a:lnT>
+                    <a:solidFill>
+                      <a:schemeClr val="tx1">
+                        <a:alpha val="19778"/>
+                      </a:schemeClr>
+                    </a:solidFill>
+                  </a:tcPr>
+                </a:tc>
+                <a:tc>
+                  <a:txBody>
+                    <a:bodyPr/>
+                    <a:lstStyle/>
+                    <a:p>
+                      <a:pPr algn="ctr"/>
+                      <a:r>
+                        <a:rPr lang="en-CA" sz="2500" b="1" dirty="0">
+                          <a:solidFill>
+                            <a:schemeClr val="tx1"/>
+                          </a:solidFill>
+                        </a:rPr>
+                        <a:t>(0, 4)</a:t>
+                      </a:r>
+                    </a:p>
+                  </a:txBody>
+                  <a:tcPr marL="125476" marR="125476" marT="62738" marB="62738" anchor="ctr">
+                    <a:lnT w="28575" cap="flat" cmpd="sng" algn="ctr">
+                      <a:solidFill>
+                        <a:schemeClr val="tx1"/>
+                      </a:solidFill>
+                      <a:prstDash val="solid"/>
+                      <a:round/>
+                      <a:headEnd type="none" w="med" len="med"/>
+                      <a:tailEnd type="none" w="med" len="med"/>
+                    </a:lnT>
+                    <a:solidFill>
+                      <a:schemeClr val="tx1">
+                        <a:alpha val="19778"/>
+                      </a:schemeClr>
+                    </a:solidFill>
+                  </a:tcPr>
+                </a:tc>
+                <a:tc>
+                  <a:txBody>
+                    <a:bodyPr/>
+                    <a:lstStyle/>
+                    <a:p>
+                      <a:pPr algn="ctr"/>
+                      <a:r>
+                        <a:rPr lang="en-CA" sz="2500" b="1" dirty="0">
+                          <a:solidFill>
+                            <a:schemeClr val="tx1"/>
+                          </a:solidFill>
+                        </a:rPr>
+                        <a:t>(0, 5)</a:t>
+                      </a:r>
+                    </a:p>
+                  </a:txBody>
+                  <a:tcPr marL="125476" marR="125476" marT="62738" marB="62738" anchor="ctr">
+                    <a:lnR w="28575" cap="flat" cmpd="sng" algn="ctr">
+                      <a:solidFill>
+                        <a:schemeClr val="tx1"/>
+                      </a:solidFill>
+                      <a:prstDash val="solid"/>
+                      <a:round/>
+                      <a:headEnd type="none" w="med" len="med"/>
+                      <a:tailEnd type="none" w="med" len="med"/>
+                    </a:lnR>
+                    <a:lnT w="28575" cap="flat" cmpd="sng" algn="ctr">
+                      <a:solidFill>
+                        <a:schemeClr val="tx1"/>
+                      </a:solidFill>
+                      <a:prstDash val="solid"/>
+                      <a:round/>
+                      <a:headEnd type="none" w="med" len="med"/>
+                      <a:tailEnd type="none" w="med" len="med"/>
+                    </a:lnT>
+                    <a:solidFill>
+                      <a:schemeClr val="tx1">
+                        <a:alpha val="19778"/>
+                      </a:schemeClr>
+                    </a:solidFill>
+                  </a:tcPr>
+                </a:tc>
+                <a:extLst>
+                  <a:ext uri="{0D108BD9-81ED-4DB2-BD59-A6C34878D82A}">
+                    <a16:rowId xmlns:a16="http://schemas.microsoft.com/office/drawing/2014/main" val="4174509116"/>
+                  </a:ext>
+                </a:extLst>
+              </a:tr>
+              <a:tr h="1057875">
+                <a:tc>
+                  <a:txBody>
+                    <a:bodyPr/>
+                    <a:lstStyle/>
+                    <a:p>
+                      <a:pPr algn="ctr"/>
+                      <a:r>
+                        <a:rPr lang="en-CA" sz="2500" b="1" dirty="0"/>
+                        <a:t>(1, 0)</a:t>
+                      </a:r>
+                    </a:p>
+                  </a:txBody>
+                  <a:tcPr marL="125476" marR="125476" marT="62738" marB="62738" anchor="ctr">
+                    <a:lnL w="28575" cap="flat" cmpd="sng" algn="ctr">
+                      <a:solidFill>
+                        <a:schemeClr val="tx1"/>
+                      </a:solidFill>
+                      <a:prstDash val="solid"/>
+                      <a:round/>
+                      <a:headEnd type="none" w="med" len="med"/>
+                      <a:tailEnd type="none" w="med" len="med"/>
+                    </a:lnL>
+                  </a:tcPr>
+                </a:tc>
+                <a:tc>
+                  <a:txBody>
+                    <a:bodyPr/>
+                    <a:lstStyle/>
+                    <a:p>
+                      <a:pPr algn="ctr"/>
+                      <a:r>
+                        <a:rPr lang="en-CA" sz="2500" b="1" dirty="0"/>
+                        <a:t>(1, 1)</a:t>
+                      </a:r>
+                    </a:p>
+                  </a:txBody>
+                  <a:tcPr marL="125476" marR="125476" marT="62738" marB="62738" anchor="ctr"/>
+                </a:tc>
+                <a:tc>
+                  <a:txBody>
+                    <a:bodyPr/>
+                    <a:lstStyle/>
+                    <a:p>
+                      <a:pPr algn="ctr"/>
+                      <a:r>
+                        <a:rPr lang="en-CA" sz="2500" b="1" dirty="0"/>
+                        <a:t>(1, 2)</a:t>
+                      </a:r>
+                    </a:p>
+                  </a:txBody>
+                  <a:tcPr marL="125476" marR="125476" marT="62738" marB="62738" anchor="ctr"/>
+                </a:tc>
+                <a:tc>
+                  <a:txBody>
+                    <a:bodyPr/>
+                    <a:lstStyle/>
+                    <a:p>
+                      <a:pPr algn="ctr"/>
+                      <a:r>
+                        <a:rPr lang="en-CA" sz="2500" b="1" dirty="0"/>
+                        <a:t>(1, 3)</a:t>
+                      </a:r>
+                    </a:p>
+                  </a:txBody>
+                  <a:tcPr marL="125476" marR="125476" marT="62738" marB="62738" anchor="ctr"/>
+                </a:tc>
+                <a:tc>
+                  <a:txBody>
+                    <a:bodyPr/>
+                    <a:lstStyle/>
+                    <a:p>
+                      <a:pPr algn="ctr"/>
+                      <a:r>
+                        <a:rPr lang="en-CA" sz="2500" b="1" dirty="0"/>
+                        <a:t>(1, 4)</a:t>
+                      </a:r>
+                    </a:p>
+                  </a:txBody>
+                  <a:tcPr marL="125476" marR="125476" marT="62738" marB="62738" anchor="ctr"/>
+                </a:tc>
+                <a:tc>
+                  <a:txBody>
+                    <a:bodyPr/>
+                    <a:lstStyle/>
+                    <a:p>
+                      <a:pPr algn="ctr"/>
+                      <a:r>
+                        <a:rPr lang="en-CA" sz="2500" b="1" dirty="0"/>
+                        <a:t>(1, 5)</a:t>
+                      </a:r>
+                    </a:p>
+                  </a:txBody>
+                  <a:tcPr marL="125476" marR="125476" marT="62738" marB="62738" anchor="ctr">
+                    <a:lnR w="28575" cap="flat" cmpd="sng" algn="ctr">
+                      <a:solidFill>
+                        <a:schemeClr val="tx1"/>
+                      </a:solidFill>
+                      <a:prstDash val="solid"/>
+                      <a:round/>
+                      <a:headEnd type="none" w="med" len="med"/>
+                      <a:tailEnd type="none" w="med" len="med"/>
+                    </a:lnR>
+                  </a:tcPr>
+                </a:tc>
+                <a:extLst>
+                  <a:ext uri="{0D108BD9-81ED-4DB2-BD59-A6C34878D82A}">
+                    <a16:rowId xmlns:a16="http://schemas.microsoft.com/office/drawing/2014/main" val="869178520"/>
+                  </a:ext>
+                </a:extLst>
+              </a:tr>
+              <a:tr h="1057875">
+                <a:tc>
+                  <a:txBody>
+                    <a:bodyPr/>
+                    <a:lstStyle/>
+                    <a:p>
+                      <a:pPr algn="ctr"/>
+                      <a:r>
+                        <a:rPr lang="en-CA" sz="2500" b="1" dirty="0"/>
+                        <a:t>(2, 0)</a:t>
+                      </a:r>
+                    </a:p>
+                  </a:txBody>
+                  <a:tcPr marL="125476" marR="125476" marT="62738" marB="62738" anchor="ctr">
+                    <a:lnL w="28575" cap="flat" cmpd="sng" algn="ctr">
+                      <a:solidFill>
+                        <a:schemeClr val="tx1"/>
+                      </a:solidFill>
+                      <a:prstDash val="solid"/>
+                      <a:round/>
+                      <a:headEnd type="none" w="med" len="med"/>
+                      <a:tailEnd type="none" w="med" len="med"/>
+                    </a:lnL>
+                  </a:tcPr>
+                </a:tc>
+                <a:tc>
+                  <a:txBody>
+                    <a:bodyPr/>
+                    <a:lstStyle/>
+                    <a:p>
+                      <a:pPr algn="ctr"/>
+                      <a:r>
+                        <a:rPr lang="en-CA" sz="2500" b="1" dirty="0"/>
+                        <a:t>(2, 1)</a:t>
+                      </a:r>
+                    </a:p>
+                  </a:txBody>
+                  <a:tcPr marL="125476" marR="125476" marT="62738" marB="62738" anchor="ctr"/>
+                </a:tc>
+                <a:tc>
+                  <a:txBody>
+                    <a:bodyPr/>
+                    <a:lstStyle/>
+                    <a:p>
+                      <a:pPr algn="ctr"/>
+                      <a:r>
+                        <a:rPr lang="en-CA" sz="2500" b="1" dirty="0"/>
+                        <a:t>(2, 2)</a:t>
+                      </a:r>
+                    </a:p>
+                  </a:txBody>
+                  <a:tcPr marL="125476" marR="125476" marT="62738" marB="62738" anchor="ctr"/>
+                </a:tc>
+                <a:tc>
+                  <a:txBody>
+                    <a:bodyPr/>
+                    <a:lstStyle/>
+                    <a:p>
+                      <a:pPr algn="ctr"/>
+                      <a:r>
+                        <a:rPr lang="en-CA" sz="2500" b="1" dirty="0"/>
+                        <a:t>(2, 3)</a:t>
+                      </a:r>
+                    </a:p>
+                  </a:txBody>
+                  <a:tcPr marL="125476" marR="125476" marT="62738" marB="62738" anchor="ctr"/>
+                </a:tc>
+                <a:tc>
+                  <a:txBody>
+                    <a:bodyPr/>
+                    <a:lstStyle/>
+                    <a:p>
+                      <a:pPr algn="ctr"/>
+                      <a:r>
+                        <a:rPr lang="en-CA" sz="2500" b="1" dirty="0"/>
+                        <a:t>(2, 4)</a:t>
+                      </a:r>
+                    </a:p>
+                  </a:txBody>
+                  <a:tcPr marL="125476" marR="125476" marT="62738" marB="62738" anchor="ctr"/>
+                </a:tc>
+                <a:tc>
+                  <a:txBody>
+                    <a:bodyPr/>
+                    <a:lstStyle/>
+                    <a:p>
+                      <a:pPr algn="ctr"/>
+                      <a:r>
+                        <a:rPr lang="en-CA" sz="2500" b="1" dirty="0"/>
+                        <a:t>(2, 5)</a:t>
+                      </a:r>
+                    </a:p>
+                  </a:txBody>
+                  <a:tcPr marL="125476" marR="125476" marT="62738" marB="62738" anchor="ctr">
+                    <a:lnR w="28575" cap="flat" cmpd="sng" algn="ctr">
+                      <a:solidFill>
+                        <a:schemeClr val="tx1"/>
+                      </a:solidFill>
+                      <a:prstDash val="solid"/>
+                      <a:round/>
+                      <a:headEnd type="none" w="med" len="med"/>
+                      <a:tailEnd type="none" w="med" len="med"/>
+                    </a:lnR>
+                  </a:tcPr>
+                </a:tc>
+                <a:extLst>
+                  <a:ext uri="{0D108BD9-81ED-4DB2-BD59-A6C34878D82A}">
+                    <a16:rowId xmlns:a16="http://schemas.microsoft.com/office/drawing/2014/main" val="1972965025"/>
+                  </a:ext>
+                </a:extLst>
+              </a:tr>
+              <a:tr h="1057875">
+                <a:tc>
+                  <a:txBody>
+                    <a:bodyPr/>
+                    <a:lstStyle/>
+                    <a:p>
+                      <a:pPr algn="ctr"/>
+                      <a:r>
+                        <a:rPr lang="en-CA" sz="2500" b="1" dirty="0"/>
+                        <a:t>(3, 0)</a:t>
+                      </a:r>
+                    </a:p>
+                  </a:txBody>
+                  <a:tcPr marL="125476" marR="125476" marT="62738" marB="62738" anchor="ctr">
+                    <a:lnL w="28575" cap="flat" cmpd="sng" algn="ctr">
+                      <a:solidFill>
+                        <a:schemeClr val="tx1"/>
+                      </a:solidFill>
+                      <a:prstDash val="solid"/>
+                      <a:round/>
+                      <a:headEnd type="none" w="med" len="med"/>
+                      <a:tailEnd type="none" w="med" len="med"/>
+                    </a:lnL>
+                  </a:tcPr>
+                </a:tc>
+                <a:tc>
+                  <a:txBody>
+                    <a:bodyPr/>
+                    <a:lstStyle/>
+                    <a:p>
+                      <a:pPr algn="ctr"/>
+                      <a:r>
+                        <a:rPr lang="en-CA" sz="2500" b="1" dirty="0"/>
+                        <a:t>(3, 1)</a:t>
+                      </a:r>
+                    </a:p>
+                  </a:txBody>
+                  <a:tcPr marL="125476" marR="125476" marT="62738" marB="62738" anchor="ctr"/>
+                </a:tc>
+                <a:tc>
+                  <a:txBody>
+                    <a:bodyPr/>
+                    <a:lstStyle/>
+                    <a:p>
+                      <a:pPr algn="ctr"/>
+                      <a:r>
+                        <a:rPr lang="en-CA" sz="2500" b="1" dirty="0"/>
+                        <a:t>(3, 2)</a:t>
+                      </a:r>
+                    </a:p>
+                  </a:txBody>
+                  <a:tcPr marL="125476" marR="125476" marT="62738" marB="62738" anchor="ctr"/>
+                </a:tc>
+                <a:tc>
+                  <a:txBody>
+                    <a:bodyPr/>
+                    <a:lstStyle/>
+                    <a:p>
+                      <a:pPr algn="ctr"/>
+                      <a:r>
+                        <a:rPr lang="en-CA" sz="2500" b="1" dirty="0"/>
+                        <a:t>(3, 3)</a:t>
+                      </a:r>
+                    </a:p>
+                  </a:txBody>
+                  <a:tcPr marL="125476" marR="125476" marT="62738" marB="62738" anchor="ctr"/>
+                </a:tc>
+                <a:tc>
+                  <a:txBody>
+                    <a:bodyPr/>
+                    <a:lstStyle/>
+                    <a:p>
+                      <a:pPr algn="ctr"/>
+                      <a:r>
+                        <a:rPr lang="en-CA" sz="2500" b="1" dirty="0"/>
+                        <a:t>(3, 4)</a:t>
+                      </a:r>
+                    </a:p>
+                  </a:txBody>
+                  <a:tcPr marL="125476" marR="125476" marT="62738" marB="62738" anchor="ctr"/>
+                </a:tc>
+                <a:tc>
+                  <a:txBody>
+                    <a:bodyPr/>
+                    <a:lstStyle/>
+                    <a:p>
+                      <a:pPr algn="ctr"/>
+                      <a:r>
+                        <a:rPr lang="en-CA" sz="2500" b="1" dirty="0"/>
+                        <a:t>(3, 5)</a:t>
+                      </a:r>
+                    </a:p>
+                  </a:txBody>
+                  <a:tcPr marL="125476" marR="125476" marT="62738" marB="62738" anchor="ctr">
+                    <a:lnR w="28575" cap="flat" cmpd="sng" algn="ctr">
+                      <a:solidFill>
+                        <a:schemeClr val="tx1"/>
+                      </a:solidFill>
+                      <a:prstDash val="solid"/>
+                      <a:round/>
+                      <a:headEnd type="none" w="med" len="med"/>
+                      <a:tailEnd type="none" w="med" len="med"/>
+                    </a:lnR>
+                  </a:tcPr>
+                </a:tc>
+                <a:extLst>
+                  <a:ext uri="{0D108BD9-81ED-4DB2-BD59-A6C34878D82A}">
+                    <a16:rowId xmlns:a16="http://schemas.microsoft.com/office/drawing/2014/main" val="578959827"/>
+                  </a:ext>
+                </a:extLst>
+              </a:tr>
+              <a:tr h="1057875">
+                <a:tc>
+                  <a:txBody>
+                    <a:bodyPr/>
+                    <a:lstStyle/>
+                    <a:p>
+                      <a:pPr algn="ctr"/>
+                      <a:r>
+                        <a:rPr lang="en-CA" sz="2500" b="1" dirty="0"/>
+                        <a:t>(4, 0)</a:t>
+                      </a:r>
+                    </a:p>
+                  </a:txBody>
+                  <a:tcPr marL="125476" marR="125476" marT="62738" marB="62738" anchor="ctr">
+                    <a:lnL w="28575" cap="flat" cmpd="sng" algn="ctr">
+                      <a:solidFill>
+                        <a:schemeClr val="tx1"/>
+                      </a:solidFill>
+                      <a:prstDash val="solid"/>
+                      <a:round/>
+                      <a:headEnd type="none" w="med" len="med"/>
+                      <a:tailEnd type="none" w="med" len="med"/>
+                    </a:lnL>
+                    <a:lnB w="28575" cap="flat" cmpd="sng" algn="ctr">
+                      <a:solidFill>
+                        <a:schemeClr val="tx1"/>
+                      </a:solidFill>
+                      <a:prstDash val="solid"/>
+                      <a:round/>
+                      <a:headEnd type="none" w="med" len="med"/>
+                      <a:tailEnd type="none" w="med" len="med"/>
+                    </a:lnB>
+                  </a:tcPr>
+                </a:tc>
+                <a:tc>
+                  <a:txBody>
+                    <a:bodyPr/>
+                    <a:lstStyle/>
+                    <a:p>
+                      <a:pPr algn="ctr"/>
+                      <a:r>
+                        <a:rPr lang="en-CA" sz="2500" b="1" dirty="0"/>
+                        <a:t>(4, 1)</a:t>
+                      </a:r>
+                    </a:p>
+                  </a:txBody>
+                  <a:tcPr marL="125476" marR="125476" marT="62738" marB="62738" anchor="ctr">
+                    <a:lnB w="28575" cap="flat" cmpd="sng" algn="ctr">
+                      <a:solidFill>
+                        <a:schemeClr val="tx1"/>
+                      </a:solidFill>
+                      <a:prstDash val="solid"/>
+                      <a:round/>
+                      <a:headEnd type="none" w="med" len="med"/>
+                      <a:tailEnd type="none" w="med" len="med"/>
+                    </a:lnB>
+                  </a:tcPr>
+                </a:tc>
+                <a:tc>
+                  <a:txBody>
+                    <a:bodyPr/>
+                    <a:lstStyle/>
+                    <a:p>
+                      <a:pPr algn="ctr"/>
+                      <a:r>
+                        <a:rPr lang="en-CA" sz="2500" b="1" dirty="0"/>
+                        <a:t>(4, 2)</a:t>
+                      </a:r>
+                    </a:p>
+                  </a:txBody>
+                  <a:tcPr marL="125476" marR="125476" marT="62738" marB="62738" anchor="ctr">
+                    <a:lnB w="28575" cap="flat" cmpd="sng" algn="ctr">
+                      <a:solidFill>
+                        <a:schemeClr val="tx1"/>
+                      </a:solidFill>
+                      <a:prstDash val="solid"/>
+                      <a:round/>
+                      <a:headEnd type="none" w="med" len="med"/>
+                      <a:tailEnd type="none" w="med" len="med"/>
+                    </a:lnB>
+                  </a:tcPr>
+                </a:tc>
+                <a:tc>
+                  <a:txBody>
+                    <a:bodyPr/>
+                    <a:lstStyle/>
+                    <a:p>
+                      <a:pPr algn="ctr"/>
+                      <a:r>
+                        <a:rPr lang="en-CA" sz="2500" b="1" dirty="0"/>
+                        <a:t>(4, 3)</a:t>
+                      </a:r>
+                    </a:p>
+                  </a:txBody>
+                  <a:tcPr marL="125476" marR="125476" marT="62738" marB="62738" anchor="ctr">
+                    <a:lnB w="28575" cap="flat" cmpd="sng" algn="ctr">
+                      <a:solidFill>
+                        <a:schemeClr val="tx1"/>
+                      </a:solidFill>
+                      <a:prstDash val="solid"/>
+                      <a:round/>
+                      <a:headEnd type="none" w="med" len="med"/>
+                      <a:tailEnd type="none" w="med" len="med"/>
+                    </a:lnB>
+                  </a:tcPr>
+                </a:tc>
+                <a:tc>
+                  <a:txBody>
+                    <a:bodyPr/>
+                    <a:lstStyle/>
+                    <a:p>
+                      <a:pPr algn="ctr"/>
+                      <a:r>
+                        <a:rPr lang="en-CA" sz="2500" b="1" dirty="0"/>
+                        <a:t>(4, 4)</a:t>
+                      </a:r>
+                    </a:p>
+                  </a:txBody>
+                  <a:tcPr marL="125476" marR="125476" marT="62738" marB="62738" anchor="ctr">
+                    <a:lnB w="28575" cap="flat" cmpd="sng" algn="ctr">
+                      <a:solidFill>
+                        <a:schemeClr val="tx1"/>
+                      </a:solidFill>
+                      <a:prstDash val="solid"/>
+                      <a:round/>
+                      <a:headEnd type="none" w="med" len="med"/>
+                      <a:tailEnd type="none" w="med" len="med"/>
+                    </a:lnB>
+                  </a:tcPr>
+                </a:tc>
+                <a:tc>
+                  <a:txBody>
+                    <a:bodyPr/>
+                    <a:lstStyle/>
+                    <a:p>
+                      <a:pPr algn="ctr"/>
+                      <a:r>
+                        <a:rPr lang="en-CA" sz="2500" b="1" dirty="0"/>
+                        <a:t>(4, 5)</a:t>
+                      </a:r>
+                    </a:p>
+                  </a:txBody>
+                  <a:tcPr marL="125476" marR="125476" marT="62738" marB="62738" anchor="ctr">
+                    <a:lnR w="28575" cap="flat" cmpd="sng" algn="ctr">
+                      <a:solidFill>
+                        <a:schemeClr val="tx1"/>
+                      </a:solidFill>
+                      <a:prstDash val="solid"/>
+                      <a:round/>
+                      <a:headEnd type="none" w="med" len="med"/>
+                      <a:tailEnd type="none" w="med" len="med"/>
+                    </a:lnR>
+                    <a:lnB w="28575" cap="flat" cmpd="sng" algn="ctr">
+                      <a:solidFill>
+                        <a:schemeClr val="tx1"/>
+                      </a:solidFill>
+                      <a:prstDash val="solid"/>
+                      <a:round/>
+                      <a:headEnd type="none" w="med" len="med"/>
+                      <a:tailEnd type="none" w="med" len="med"/>
+                    </a:lnB>
+                  </a:tcPr>
+                </a:tc>
+                <a:extLst>
+                  <a:ext uri="{0D108BD9-81ED-4DB2-BD59-A6C34878D82A}">
+                    <a16:rowId xmlns:a16="http://schemas.microsoft.com/office/drawing/2014/main" val="85115382"/>
+                  </a:ext>
+                </a:extLst>
+              </a:tr>
+            </a:tbl>
+          </a:graphicData>
+        </a:graphic>
+      </p:graphicFrame>
+      <p:sp>
+        <p:nvSpPr>
+          <p:cNvPr id="4" name="TextBox 3">
+            <a:extLst>
+              <a:ext uri="{FF2B5EF4-FFF2-40B4-BE49-F238E27FC236}">
+                <a16:creationId xmlns:a16="http://schemas.microsoft.com/office/drawing/2014/main" id="{388492A2-1F09-4B96-CC84-50CF5D7AD05E}"/>
+              </a:ext>
+            </a:extLst>
+          </p:cNvPr>
+          <p:cNvSpPr txBox="1"/>
+          <p:nvPr/>
+        </p:nvSpPr>
+        <p:spPr>
+          <a:xfrm>
+            <a:off x="3419280" y="6067168"/>
+            <a:ext cx="2305439" cy="584775"/>
+          </a:xfrm>
+          <a:prstGeom prst="rect">
+            <a:avLst/>
+          </a:prstGeom>
+          <a:noFill/>
+        </p:spPr>
+        <p:txBody>
+          <a:bodyPr wrap="none" rtlCol="0">
+            <a:spAutoFit/>
+          </a:bodyPr>
+          <a:lstStyle/>
+          <a:p>
+            <a:r>
+              <a:rPr lang="en-CA" sz="3200" b="1" dirty="0"/>
+              <a:t>Shape: (5, 6)</a:t>
+            </a:r>
+          </a:p>
+        </p:txBody>
+      </p:sp>
+      <p:sp>
+        <p:nvSpPr>
+          <p:cNvPr id="5" name="TextBox 4">
+            <a:extLst>
+              <a:ext uri="{FF2B5EF4-FFF2-40B4-BE49-F238E27FC236}">
+                <a16:creationId xmlns:a16="http://schemas.microsoft.com/office/drawing/2014/main" id="{D5252BC9-85EA-823B-57EC-C6FB43215009}"/>
+              </a:ext>
+            </a:extLst>
+          </p:cNvPr>
+          <p:cNvSpPr txBox="1"/>
+          <p:nvPr/>
+        </p:nvSpPr>
+        <p:spPr>
+          <a:xfrm>
+            <a:off x="494270" y="58231"/>
+            <a:ext cx="2762295" cy="523220"/>
+          </a:xfrm>
+          <a:prstGeom prst="rect">
+            <a:avLst/>
+          </a:prstGeom>
+          <a:noFill/>
+        </p:spPr>
+        <p:txBody>
+          <a:bodyPr wrap="none" rtlCol="0">
+            <a:spAutoFit/>
+          </a:bodyPr>
+          <a:lstStyle/>
+          <a:p>
+            <a:r>
+              <a:rPr lang="en-CA" sz="2800" b="1" dirty="0" err="1">
+                <a:latin typeface="Roboto Mono" pitchFamily="2" charset="0"/>
+                <a:ea typeface="Roboto Mono" pitchFamily="2" charset="0"/>
+              </a:rPr>
+              <a:t>my_array</a:t>
+            </a:r>
+            <a:r>
+              <a:rPr lang="en-CA" sz="2800" b="1" dirty="0">
+                <a:latin typeface="Roboto Mono" pitchFamily="2" charset="0"/>
+                <a:ea typeface="Roboto Mono" pitchFamily="2" charset="0"/>
+              </a:rPr>
+              <a:t>[0]?</a:t>
+            </a:r>
+          </a:p>
+        </p:txBody>
+      </p:sp>
+    </p:spTree>
+    <p:extLst>
+      <p:ext uri="{BB962C8B-B14F-4D97-AF65-F5344CB8AC3E}">
+        <p14:creationId xmlns:p14="http://schemas.microsoft.com/office/powerpoint/2010/main" val="842828176"/>
+      </p:ext>
+    </p:extLst>
+  </p:cSld>
+  <p:clrMapOvr>
+    <a:masterClrMapping/>
+  </p:clrMapOvr>
+  <mc:AlternateContent xmlns:mc="http://schemas.openxmlformats.org/markup-compatibility/2006" xmlns:p159="http://schemas.microsoft.com/office/powerpoint/2015/09/main">
+    <mc:Choice Requires="p159">
+      <p:transition xmlns:p14="http://schemas.microsoft.com/office/powerpoint/2010/main" spd="slow" p14:dur="2000">
+        <p159:morph option="byChar"/>
+      </p:transition>
+    </mc:Choice>
+    <mc:Fallback xmlns="">
+      <p:transition spd="slow">
+        <p:fade/>
+      </p:transition>
+    </mc:Fallback>
+  </mc:AlternateContent>
+</p:sld>
+</file>
+
+<file path=ppt/slides/slide11.xml><?xml version="1.0" encoding="utf-8"?>
+<p:sld xmlns:a="http://schemas.openxmlformats.org/drawingml/2006/main" xmlns:r="http://schemas.openxmlformats.org/officeDocument/2006/relationships" xmlns:p="http://schemas.openxmlformats.org/presentationml/2006/main">
+  <p:cSld>
+    <p:spTree>
+      <p:nvGrpSpPr>
+        <p:cNvPr id="1" name=""/>
+        <p:cNvGrpSpPr/>
+        <p:nvPr/>
+      </p:nvGrpSpPr>
+      <p:grpSpPr>
+        <a:xfrm>
+          <a:off x="0" y="0"/>
+          <a:ext cx="0" cy="0"/>
+          <a:chOff x="0" y="0"/>
+          <a:chExt cx="0" cy="0"/>
+        </a:xfrm>
+      </p:grpSpPr>
+      <p:graphicFrame>
+        <p:nvGraphicFramePr>
+          <p:cNvPr id="3" name="Table 2">
+            <a:extLst>
+              <a:ext uri="{FF2B5EF4-FFF2-40B4-BE49-F238E27FC236}">
+                <a16:creationId xmlns:a16="http://schemas.microsoft.com/office/drawing/2014/main" id="{FC9A80B6-5D2E-8104-3EFE-2662610E7846}"/>
+              </a:ext>
+            </a:extLst>
+          </p:cNvPr>
+          <p:cNvGraphicFramePr>
+            <a:graphicFrameLocks noGrp="1"/>
+          </p:cNvGraphicFramePr>
+          <p:nvPr/>
+        </p:nvGraphicFramePr>
+        <p:xfrm>
+          <a:off x="389482" y="679622"/>
+          <a:ext cx="8365038" cy="5289375"/>
+        </p:xfrm>
+        <a:graphic>
+          <a:graphicData uri="http://schemas.openxmlformats.org/drawingml/2006/table">
+            <a:tbl>
+              <a:tblPr bandRow="1">
+                <a:tableStyleId>{9D7B26C5-4107-4FEC-AEDC-1716B250A1EF}</a:tableStyleId>
+              </a:tblPr>
+              <a:tblGrid>
+                <a:gridCol w="1394173">
+                  <a:extLst>
+                    <a:ext uri="{9D8B030D-6E8A-4147-A177-3AD203B41FA5}">
+                      <a16:colId xmlns:a16="http://schemas.microsoft.com/office/drawing/2014/main" val="501879301"/>
+                    </a:ext>
+                  </a:extLst>
+                </a:gridCol>
+                <a:gridCol w="1394173">
+                  <a:extLst>
+                    <a:ext uri="{9D8B030D-6E8A-4147-A177-3AD203B41FA5}">
+                      <a16:colId xmlns:a16="http://schemas.microsoft.com/office/drawing/2014/main" val="1303827765"/>
+                    </a:ext>
+                  </a:extLst>
+                </a:gridCol>
+                <a:gridCol w="1394173">
+                  <a:extLst>
+                    <a:ext uri="{9D8B030D-6E8A-4147-A177-3AD203B41FA5}">
+                      <a16:colId xmlns:a16="http://schemas.microsoft.com/office/drawing/2014/main" val="2642395476"/>
+                    </a:ext>
+                  </a:extLst>
+                </a:gridCol>
+                <a:gridCol w="1394173">
+                  <a:extLst>
+                    <a:ext uri="{9D8B030D-6E8A-4147-A177-3AD203B41FA5}">
+                      <a16:colId xmlns:a16="http://schemas.microsoft.com/office/drawing/2014/main" val="31023376"/>
+                    </a:ext>
+                  </a:extLst>
+                </a:gridCol>
+                <a:gridCol w="1394173">
+                  <a:extLst>
+                    <a:ext uri="{9D8B030D-6E8A-4147-A177-3AD203B41FA5}">
+                      <a16:colId xmlns:a16="http://schemas.microsoft.com/office/drawing/2014/main" val="1036227730"/>
+                    </a:ext>
+                  </a:extLst>
+                </a:gridCol>
+                <a:gridCol w="1394173">
+                  <a:extLst>
+                    <a:ext uri="{9D8B030D-6E8A-4147-A177-3AD203B41FA5}">
+                      <a16:colId xmlns:a16="http://schemas.microsoft.com/office/drawing/2014/main" val="1909034482"/>
+                    </a:ext>
+                  </a:extLst>
+                </a:gridCol>
+              </a:tblGrid>
+              <a:tr h="1057875">
+                <a:tc>
+                  <a:txBody>
+                    <a:bodyPr/>
+                    <a:lstStyle/>
+                    <a:p>
+                      <a:pPr algn="ctr"/>
+                      <a:r>
+                        <a:rPr lang="en-CA" sz="2500" b="1" dirty="0">
+                          <a:solidFill>
                             <a:schemeClr val="bg1"/>
                           </a:solidFill>
                         </a:rPr>
@@ -3927,7 +4847,7 @@
 </p:sld>
 </file>
 
-<file path=ppt/slides/slide11.xml><?xml version="1.0" encoding="utf-8"?>
+<file path=ppt/slides/slide12.xml><?xml version="1.0" encoding="utf-8"?>
 <p:sld xmlns:a="http://schemas.openxmlformats.org/drawingml/2006/main" xmlns:r="http://schemas.openxmlformats.org/officeDocument/2006/relationships" xmlns:p="http://schemas.openxmlformats.org/presentationml/2006/main">
   <p:cSld>
     <p:spTree>
@@ -4834,7 +5754,7 @@
 </p:sld>
 </file>
 
-<file path=ppt/slides/slide12.xml><?xml version="1.0" encoding="utf-8"?>
+<file path=ppt/slides/slide13.xml><?xml version="1.0" encoding="utf-8"?>
 <p:sld xmlns:a="http://schemas.openxmlformats.org/drawingml/2006/main" xmlns:r="http://schemas.openxmlformats.org/officeDocument/2006/relationships" xmlns:p="http://schemas.openxmlformats.org/presentationml/2006/main">
   <p:cSld>
     <p:spTree>
@@ -5779,7 +6699,7 @@
 </p:sld>
 </file>
 
-<file path=ppt/slides/slide13.xml><?xml version="1.0" encoding="utf-8"?>
+<file path=ppt/slides/slide14.xml><?xml version="1.0" encoding="utf-8"?>
 <p:sld xmlns:a="http://schemas.openxmlformats.org/drawingml/2006/main" xmlns:r="http://schemas.openxmlformats.org/officeDocument/2006/relationships" xmlns:p="http://schemas.openxmlformats.org/presentationml/2006/main">
   <p:cSld>
     <p:spTree>
@@ -6724,7 +7644,7 @@
 </p:sld>
 </file>
 
-<file path=ppt/slides/slide14.xml><?xml version="1.0" encoding="utf-8"?>
+<file path=ppt/slides/slide15.xml><?xml version="1.0" encoding="utf-8"?>
 <p:sld xmlns:a="http://schemas.openxmlformats.org/drawingml/2006/main" xmlns:r="http://schemas.openxmlformats.org/officeDocument/2006/relationships" xmlns:p="http://schemas.openxmlformats.org/presentationml/2006/main">
   <p:cSld>
     <p:spTree>
@@ -7711,7 +8631,7 @@
 </p:sld>
 </file>
 
-<file path=ppt/slides/slide15.xml><?xml version="1.0" encoding="utf-8"?>
+<file path=ppt/slides/slide16.xml><?xml version="1.0" encoding="utf-8"?>
 <p:sld xmlns:a="http://schemas.openxmlformats.org/drawingml/2006/main" xmlns:r="http://schemas.openxmlformats.org/officeDocument/2006/relationships" xmlns:p="http://schemas.openxmlformats.org/presentationml/2006/main">
   <p:cSld>
     <p:spTree>
@@ -8698,7 +9618,7 @@
 </p:sld>
 </file>
 
-<file path=ppt/slides/slide16.xml><?xml version="1.0" encoding="utf-8"?>
+<file path=ppt/slides/slide17.xml><?xml version="1.0" encoding="utf-8"?>
 <p:sld xmlns:a="http://schemas.openxmlformats.org/drawingml/2006/main" xmlns:r="http://schemas.openxmlformats.org/officeDocument/2006/relationships" xmlns:p="http://schemas.openxmlformats.org/presentationml/2006/main">
   <p:cSld>
     <p:spTree>
@@ -9751,7 +10671,7 @@
 </p:sld>
 </file>
 
-<file path=ppt/slides/slide17.xml><?xml version="1.0" encoding="utf-8"?>
+<file path=ppt/slides/slide18.xml><?xml version="1.0" encoding="utf-8"?>
 <p:sld xmlns:a="http://schemas.openxmlformats.org/drawingml/2006/main" xmlns:r="http://schemas.openxmlformats.org/officeDocument/2006/relationships" xmlns:p="http://schemas.openxmlformats.org/presentationml/2006/main">
   <p:cSld>
     <p:spTree>
@@ -10849,7 +11769,7 @@
 </p:sld>
 </file>
 
-<file path=ppt/slides/slide18.xml><?xml version="1.0" encoding="utf-8"?>
+<file path=ppt/slides/slide19.xml><?xml version="1.0" encoding="utf-8"?>
 <p:sld xmlns:a="http://schemas.openxmlformats.org/drawingml/2006/main" xmlns:r="http://schemas.openxmlformats.org/officeDocument/2006/relationships" xmlns:p="http://schemas.openxmlformats.org/presentationml/2006/main">
   <p:cSld>
     <p:spTree>
@@ -10945,509 +11865,6 @@
     <p:extLst>
       <p:ext uri="{BB962C8B-B14F-4D97-AF65-F5344CB8AC3E}">
         <p14:creationId xmlns:p14="http://schemas.microsoft.com/office/powerpoint/2010/main" val="2294899125"/>
-      </p:ext>
-    </p:extLst>
-  </p:cSld>
-  <p:clrMapOvr>
-    <a:masterClrMapping/>
-  </p:clrMapOvr>
-</p:sld>
-</file>
-
-<file path=ppt/slides/slide19.xml><?xml version="1.0" encoding="utf-8"?>
-<p:sld xmlns:a="http://schemas.openxmlformats.org/drawingml/2006/main" xmlns:r="http://schemas.openxmlformats.org/officeDocument/2006/relationships" xmlns:p="http://schemas.openxmlformats.org/presentationml/2006/main">
-  <p:cSld>
-    <p:spTree>
-      <p:nvGrpSpPr>
-        <p:cNvPr id="1" name=""/>
-        <p:cNvGrpSpPr/>
-        <p:nvPr/>
-      </p:nvGrpSpPr>
-      <p:grpSpPr>
-        <a:xfrm>
-          <a:off x="0" y="0"/>
-          <a:ext cx="0" cy="0"/>
-          <a:chOff x="0" y="0"/>
-          <a:chExt cx="0" cy="0"/>
-        </a:xfrm>
-      </p:grpSpPr>
-      <p:graphicFrame>
-        <p:nvGraphicFramePr>
-          <p:cNvPr id="3" name="Table 2">
-            <a:extLst>
-              <a:ext uri="{FF2B5EF4-FFF2-40B4-BE49-F238E27FC236}">
-                <a16:creationId xmlns:a16="http://schemas.microsoft.com/office/drawing/2014/main" id="{03F1EEA0-A364-F98B-0E07-0B3F1D7E5822}"/>
-              </a:ext>
-            </a:extLst>
-          </p:cNvPr>
-          <p:cNvGraphicFramePr>
-            <a:graphicFrameLocks noGrp="1"/>
-          </p:cNvGraphicFramePr>
-          <p:nvPr>
-            <p:extLst>
-              <p:ext uri="{D42A27DB-BD31-4B8C-83A1-F6EECF244321}">
-                <p14:modId xmlns:p14="http://schemas.microsoft.com/office/powerpoint/2010/main" val="3906354249"/>
-              </p:ext>
-            </p:extLst>
-          </p:nvPr>
-        </p:nvGraphicFramePr>
-        <p:xfrm>
-          <a:off x="228600" y="863600"/>
-          <a:ext cx="8559799" cy="4978400"/>
-        </p:xfrm>
-        <a:graphic>
-          <a:graphicData uri="http://schemas.openxmlformats.org/drawingml/2006/table">
-            <a:tbl>
-              <a:tblPr firstRow="1" firstCol="1" bandRow="1">
-                <a:tableStyleId>{5C22544A-7EE6-4342-B048-85BDC9FD1C3A}</a:tableStyleId>
-              </a:tblPr>
-              <a:tblGrid>
-                <a:gridCol w="1498600">
-                  <a:extLst>
-                    <a:ext uri="{9D8B030D-6E8A-4147-A177-3AD203B41FA5}">
-                      <a16:colId xmlns:a16="http://schemas.microsoft.com/office/drawing/2014/main" val="2893626722"/>
-                    </a:ext>
-                  </a:extLst>
-                </a:gridCol>
-                <a:gridCol w="2353733">
-                  <a:extLst>
-                    <a:ext uri="{9D8B030D-6E8A-4147-A177-3AD203B41FA5}">
-                      <a16:colId xmlns:a16="http://schemas.microsoft.com/office/drawing/2014/main" val="3069293214"/>
-                    </a:ext>
-                  </a:extLst>
-                </a:gridCol>
-                <a:gridCol w="2353733">
-                  <a:extLst>
-                    <a:ext uri="{9D8B030D-6E8A-4147-A177-3AD203B41FA5}">
-                      <a16:colId xmlns:a16="http://schemas.microsoft.com/office/drawing/2014/main" val="150902809"/>
-                    </a:ext>
-                  </a:extLst>
-                </a:gridCol>
-                <a:gridCol w="2353733">
-                  <a:extLst>
-                    <a:ext uri="{9D8B030D-6E8A-4147-A177-3AD203B41FA5}">
-                      <a16:colId xmlns:a16="http://schemas.microsoft.com/office/drawing/2014/main" val="3981404648"/>
-                    </a:ext>
-                  </a:extLst>
-                </a:gridCol>
-              </a:tblGrid>
-              <a:tr h="1244600">
-                <a:tc>
-                  <a:txBody>
-                    <a:bodyPr/>
-                    <a:lstStyle/>
-                    <a:p>
-                      <a:pPr algn="ctr"/>
-                      <a:endParaRPr lang="en-CA" sz="2800" dirty="0"/>
-                    </a:p>
-                  </a:txBody>
-                  <a:tcPr anchor="ctr">
-                    <a:noFill/>
-                  </a:tcPr>
-                </a:tc>
-                <a:tc>
-                  <a:txBody>
-                    <a:bodyPr/>
-                    <a:lstStyle/>
-                    <a:p>
-                      <a:pPr algn="ctr"/>
-                      <a:r>
-                        <a:rPr lang="en-CA" sz="2800" dirty="0"/>
-                        <a:t>Series 0</a:t>
-                      </a:r>
-                    </a:p>
-                  </a:txBody>
-                  <a:tcPr anchor="ctr"/>
-                </a:tc>
-                <a:tc>
-                  <a:txBody>
-                    <a:bodyPr/>
-                    <a:lstStyle/>
-                    <a:p>
-                      <a:pPr algn="ctr"/>
-                      <a:r>
-                        <a:rPr lang="en-CA" sz="2800" dirty="0"/>
-                        <a:t>Series 1</a:t>
-                      </a:r>
-                    </a:p>
-                  </a:txBody>
-                  <a:tcPr anchor="ctr"/>
-                </a:tc>
-                <a:tc>
-                  <a:txBody>
-                    <a:bodyPr/>
-                    <a:lstStyle/>
-                    <a:p>
-                      <a:pPr algn="ctr"/>
-                      <a:r>
-                        <a:rPr lang="en-CA" sz="2800" dirty="0"/>
-                        <a:t>Series 2</a:t>
-                      </a:r>
-                    </a:p>
-                  </a:txBody>
-                  <a:tcPr anchor="ctr"/>
-                </a:tc>
-                <a:extLst>
-                  <a:ext uri="{0D108BD9-81ED-4DB2-BD59-A6C34878D82A}">
-                    <a16:rowId xmlns:a16="http://schemas.microsoft.com/office/drawing/2014/main" val="1353461825"/>
-                  </a:ext>
-                </a:extLst>
-              </a:tr>
-              <a:tr h="1244600">
-                <a:tc>
-                  <a:txBody>
-                    <a:bodyPr/>
-                    <a:lstStyle/>
-                    <a:p>
-                      <a:pPr algn="ctr"/>
-                      <a:r>
-                        <a:rPr lang="en-CA" sz="2800" dirty="0"/>
-                        <a:t>Row 0</a:t>
-                      </a:r>
-                    </a:p>
-                  </a:txBody>
-                  <a:tcPr anchor="ctr"/>
-                </a:tc>
-                <a:tc>
-                  <a:txBody>
-                    <a:bodyPr/>
-                    <a:lstStyle/>
-                    <a:p>
-                      <a:pPr algn="ctr"/>
-                      <a:r>
-                        <a:rPr lang="en-CA" sz="1800" dirty="0">
-                          <a:latin typeface="Aptos Mono" panose="020B0009020202020204" pitchFamily="49" charset="0"/>
-                        </a:rPr>
-                        <a:t>[“row 0”, “series 0”]</a:t>
-                      </a:r>
-                    </a:p>
-                  </a:txBody>
-                  <a:tcPr anchor="ctr"/>
-                </a:tc>
-                <a:tc>
-                  <a:txBody>
-                    <a:bodyPr/>
-                    <a:lstStyle/>
-                    <a:p>
-                      <a:pPr marL="0" marR="0" lvl="0" indent="0" algn="ctr" defTabSz="914175" rtl="0" eaLnBrk="1" fontAlgn="auto" latinLnBrk="0" hangingPunct="1">
-                        <a:lnSpc>
-                          <a:spcPct val="100000"/>
-                        </a:lnSpc>
-                        <a:spcBef>
-                          <a:spcPts val="0"/>
-                        </a:spcBef>
-                        <a:spcAft>
-                          <a:spcPts val="0"/>
-                        </a:spcAft>
-                        <a:buClrTx/>
-                        <a:buSzTx/>
-                        <a:buFontTx/>
-                        <a:buNone/>
-                        <a:tabLst/>
-                        <a:defRPr/>
-                      </a:pPr>
-                      <a:r>
-                        <a:rPr lang="en-CA" sz="1800" dirty="0">
-                          <a:latin typeface="Aptos Mono" panose="020B0009020202020204" pitchFamily="49" charset="0"/>
-                        </a:rPr>
-                        <a:t>[“row 0”, “series 1”]</a:t>
-                      </a:r>
-                    </a:p>
-                  </a:txBody>
-                  <a:tcPr anchor="ctr"/>
-                </a:tc>
-                <a:tc>
-                  <a:txBody>
-                    <a:bodyPr/>
-                    <a:lstStyle/>
-                    <a:p>
-                      <a:pPr marL="0" marR="0" lvl="0" indent="0" algn="ctr" defTabSz="914175" rtl="0" eaLnBrk="1" fontAlgn="auto" latinLnBrk="0" hangingPunct="1">
-                        <a:lnSpc>
-                          <a:spcPct val="100000"/>
-                        </a:lnSpc>
-                        <a:spcBef>
-                          <a:spcPts val="0"/>
-                        </a:spcBef>
-                        <a:spcAft>
-                          <a:spcPts val="0"/>
-                        </a:spcAft>
-                        <a:buClrTx/>
-                        <a:buSzTx/>
-                        <a:buFontTx/>
-                        <a:buNone/>
-                        <a:tabLst/>
-                        <a:defRPr/>
-                      </a:pPr>
-                      <a:r>
-                        <a:rPr lang="en-CA" sz="1800" dirty="0">
-                          <a:latin typeface="Aptos Mono" panose="020B0009020202020204" pitchFamily="49" charset="0"/>
-                        </a:rPr>
-                        <a:t>[“row 0”, “series 2”]</a:t>
-                      </a:r>
-                    </a:p>
-                  </a:txBody>
-                  <a:tcPr anchor="ctr"/>
-                </a:tc>
-                <a:extLst>
-                  <a:ext uri="{0D108BD9-81ED-4DB2-BD59-A6C34878D82A}">
-                    <a16:rowId xmlns:a16="http://schemas.microsoft.com/office/drawing/2014/main" val="3734566292"/>
-                  </a:ext>
-                </a:extLst>
-              </a:tr>
-              <a:tr h="1244600">
-                <a:tc>
-                  <a:txBody>
-                    <a:bodyPr/>
-                    <a:lstStyle/>
-                    <a:p>
-                      <a:pPr algn="ctr"/>
-                      <a:r>
-                        <a:rPr lang="en-CA" sz="2800" dirty="0"/>
-                        <a:t>Row 1</a:t>
-                      </a:r>
-                    </a:p>
-                  </a:txBody>
-                  <a:tcPr anchor="ctr"/>
-                </a:tc>
-                <a:tc>
-                  <a:txBody>
-                    <a:bodyPr/>
-                    <a:lstStyle/>
-                    <a:p>
-                      <a:pPr marL="0" marR="0" lvl="0" indent="0" algn="ctr" defTabSz="914175" rtl="0" eaLnBrk="1" fontAlgn="auto" latinLnBrk="0" hangingPunct="1">
-                        <a:lnSpc>
-                          <a:spcPct val="100000"/>
-                        </a:lnSpc>
-                        <a:spcBef>
-                          <a:spcPts val="0"/>
-                        </a:spcBef>
-                        <a:spcAft>
-                          <a:spcPts val="0"/>
-                        </a:spcAft>
-                        <a:buClrTx/>
-                        <a:buSzTx/>
-                        <a:buFontTx/>
-                        <a:buNone/>
-                        <a:tabLst/>
-                        <a:defRPr/>
-                      </a:pPr>
-                      <a:r>
-                        <a:rPr lang="en-CA" sz="1800" dirty="0">
-                          <a:latin typeface="Aptos Mono" panose="020B0009020202020204" pitchFamily="49" charset="0"/>
-                        </a:rPr>
-                        <a:t>[“row 1”, “series 0”]</a:t>
-                      </a:r>
-                    </a:p>
-                  </a:txBody>
-                  <a:tcPr anchor="ctr"/>
-                </a:tc>
-                <a:tc>
-                  <a:txBody>
-                    <a:bodyPr/>
-                    <a:lstStyle/>
-                    <a:p>
-                      <a:pPr algn="ctr"/>
-                      <a:r>
-                        <a:rPr lang="en-CA" sz="1800" dirty="0">
-                          <a:latin typeface="Aptos Mono" panose="020B0009020202020204" pitchFamily="49" charset="0"/>
-                        </a:rPr>
-                        <a:t>[“row 1”, “series 1”]</a:t>
-                      </a:r>
-                    </a:p>
-                  </a:txBody>
-                  <a:tcPr anchor="ctr"/>
-                </a:tc>
-                <a:tc>
-                  <a:txBody>
-                    <a:bodyPr/>
-                    <a:lstStyle/>
-                    <a:p>
-                      <a:pPr algn="ctr"/>
-                      <a:r>
-                        <a:rPr lang="en-CA" sz="1800" dirty="0">
-                          <a:latin typeface="Aptos Mono" panose="020B0009020202020204" pitchFamily="49" charset="0"/>
-                        </a:rPr>
-                        <a:t>[“row 1”, “series 2”]</a:t>
-                      </a:r>
-                    </a:p>
-                  </a:txBody>
-                  <a:tcPr anchor="ctr"/>
-                </a:tc>
-                <a:extLst>
-                  <a:ext uri="{0D108BD9-81ED-4DB2-BD59-A6C34878D82A}">
-                    <a16:rowId xmlns:a16="http://schemas.microsoft.com/office/drawing/2014/main" val="2214091798"/>
-                  </a:ext>
-                </a:extLst>
-              </a:tr>
-              <a:tr h="1244600">
-                <a:tc>
-                  <a:txBody>
-                    <a:bodyPr/>
-                    <a:lstStyle/>
-                    <a:p>
-                      <a:pPr algn="ctr"/>
-                      <a:r>
-                        <a:rPr lang="en-CA" sz="2800" dirty="0"/>
-                        <a:t>Row 2</a:t>
-                      </a:r>
-                    </a:p>
-                  </a:txBody>
-                  <a:tcPr anchor="ctr"/>
-                </a:tc>
-                <a:tc>
-                  <a:txBody>
-                    <a:bodyPr/>
-                    <a:lstStyle/>
-                    <a:p>
-                      <a:pPr marL="0" marR="0" lvl="0" indent="0" algn="ctr" defTabSz="914175" rtl="0" eaLnBrk="1" fontAlgn="auto" latinLnBrk="0" hangingPunct="1">
-                        <a:lnSpc>
-                          <a:spcPct val="100000"/>
-                        </a:lnSpc>
-                        <a:spcBef>
-                          <a:spcPts val="0"/>
-                        </a:spcBef>
-                        <a:spcAft>
-                          <a:spcPts val="0"/>
-                        </a:spcAft>
-                        <a:buClrTx/>
-                        <a:buSzTx/>
-                        <a:buFontTx/>
-                        <a:buNone/>
-                        <a:tabLst/>
-                        <a:defRPr/>
-                      </a:pPr>
-                      <a:r>
-                        <a:rPr lang="en-CA" sz="1800" dirty="0">
-                          <a:latin typeface="Aptos Mono" panose="020B0009020202020204" pitchFamily="49" charset="0"/>
-                        </a:rPr>
-                        <a:t>[“row 2”, “series 0”]</a:t>
-                      </a:r>
-                    </a:p>
-                  </a:txBody>
-                  <a:tcPr anchor="ctr"/>
-                </a:tc>
-                <a:tc>
-                  <a:txBody>
-                    <a:bodyPr/>
-                    <a:lstStyle/>
-                    <a:p>
-                      <a:pPr marL="0" marR="0" lvl="0" indent="0" algn="ctr" defTabSz="914175" rtl="0" eaLnBrk="1" fontAlgn="auto" latinLnBrk="0" hangingPunct="1">
-                        <a:lnSpc>
-                          <a:spcPct val="100000"/>
-                        </a:lnSpc>
-                        <a:spcBef>
-                          <a:spcPts val="0"/>
-                        </a:spcBef>
-                        <a:spcAft>
-                          <a:spcPts val="0"/>
-                        </a:spcAft>
-                        <a:buClrTx/>
-                        <a:buSzTx/>
-                        <a:buFontTx/>
-                        <a:buNone/>
-                        <a:tabLst/>
-                        <a:defRPr/>
-                      </a:pPr>
-                      <a:r>
-                        <a:rPr lang="en-CA" sz="1800" dirty="0">
-                          <a:latin typeface="Aptos Mono" panose="020B0009020202020204" pitchFamily="49" charset="0"/>
-                        </a:rPr>
-                        <a:t>[“row 2”, “series 1”]</a:t>
-                      </a:r>
-                    </a:p>
-                  </a:txBody>
-                  <a:tcPr anchor="ctr"/>
-                </a:tc>
-                <a:tc>
-                  <a:txBody>
-                    <a:bodyPr/>
-                    <a:lstStyle/>
-                    <a:p>
-                      <a:pPr marL="0" marR="0" lvl="0" indent="0" algn="ctr" defTabSz="914175" rtl="0" eaLnBrk="1" fontAlgn="auto" latinLnBrk="0" hangingPunct="1">
-                        <a:lnSpc>
-                          <a:spcPct val="100000"/>
-                        </a:lnSpc>
-                        <a:spcBef>
-                          <a:spcPts val="0"/>
-                        </a:spcBef>
-                        <a:spcAft>
-                          <a:spcPts val="0"/>
-                        </a:spcAft>
-                        <a:buClrTx/>
-                        <a:buSzTx/>
-                        <a:buFontTx/>
-                        <a:buNone/>
-                        <a:tabLst/>
-                        <a:defRPr/>
-                      </a:pPr>
-                      <a:r>
-                        <a:rPr lang="en-CA" sz="1800" dirty="0">
-                          <a:latin typeface="Aptos Mono" panose="020B0009020202020204" pitchFamily="49" charset="0"/>
-                        </a:rPr>
-                        <a:t>[“row 2”, “series 2”]</a:t>
-                      </a:r>
-                    </a:p>
-                  </a:txBody>
-                  <a:tcPr anchor="ctr"/>
-                </a:tc>
-                <a:extLst>
-                  <a:ext uri="{0D108BD9-81ED-4DB2-BD59-A6C34878D82A}">
-                    <a16:rowId xmlns:a16="http://schemas.microsoft.com/office/drawing/2014/main" val="2383002064"/>
-                  </a:ext>
-                </a:extLst>
-              </a:tr>
-            </a:tbl>
-          </a:graphicData>
-        </a:graphic>
-      </p:graphicFrame>
-      <p:sp>
-        <p:nvSpPr>
-          <p:cNvPr id="4" name="TextBox 3">
-            <a:extLst>
-              <a:ext uri="{FF2B5EF4-FFF2-40B4-BE49-F238E27FC236}">
-                <a16:creationId xmlns:a16="http://schemas.microsoft.com/office/drawing/2014/main" id="{C35D3024-DD65-6BA2-0AD2-49EDE78B2794}"/>
-              </a:ext>
-            </a:extLst>
-          </p:cNvPr>
-          <p:cNvSpPr txBox="1"/>
-          <p:nvPr/>
-        </p:nvSpPr>
-        <p:spPr>
-          <a:xfrm>
-            <a:off x="228600" y="165100"/>
-            <a:ext cx="4053482" cy="584775"/>
-          </a:xfrm>
-          <a:prstGeom prst="rect">
-            <a:avLst/>
-          </a:prstGeom>
-          <a:noFill/>
-        </p:spPr>
-        <p:txBody>
-          <a:bodyPr wrap="none" rtlCol="0">
-            <a:spAutoFit/>
-          </a:bodyPr>
-          <a:lstStyle/>
-          <a:p>
-            <a:r>
-              <a:rPr lang="en-CA" sz="3200" dirty="0"/>
-              <a:t>By name: </a:t>
-            </a:r>
-            <a:r>
-              <a:rPr lang="en-CA" sz="3200" dirty="0" err="1">
-                <a:latin typeface="Aptos Mono" panose="020B0009020202020204" pitchFamily="49" charset="0"/>
-              </a:rPr>
-              <a:t>my_df.loc</a:t>
-            </a:r>
-            <a:endParaRPr lang="en-CA" sz="3200" dirty="0">
-              <a:latin typeface="Aptos Mono" panose="020B0009020202020204" pitchFamily="49" charset="0"/>
-            </a:endParaRPr>
-          </a:p>
-        </p:txBody>
-      </p:sp>
-    </p:spTree>
-    <p:extLst>
-      <p:ext uri="{BB962C8B-B14F-4D97-AF65-F5344CB8AC3E}">
-        <p14:creationId xmlns:p14="http://schemas.microsoft.com/office/powerpoint/2010/main" val="38499322"/>
       </p:ext>
     </p:extLst>
   </p:cSld>
@@ -11798,6 +12215,509 @@
   <p:cSld>
     <p:spTree>
       <p:nvGrpSpPr>
+        <p:cNvPr id="1" name=""/>
+        <p:cNvGrpSpPr/>
+        <p:nvPr/>
+      </p:nvGrpSpPr>
+      <p:grpSpPr>
+        <a:xfrm>
+          <a:off x="0" y="0"/>
+          <a:ext cx="0" cy="0"/>
+          <a:chOff x="0" y="0"/>
+          <a:chExt cx="0" cy="0"/>
+        </a:xfrm>
+      </p:grpSpPr>
+      <p:graphicFrame>
+        <p:nvGraphicFramePr>
+          <p:cNvPr id="3" name="Table 2">
+            <a:extLst>
+              <a:ext uri="{FF2B5EF4-FFF2-40B4-BE49-F238E27FC236}">
+                <a16:creationId xmlns:a16="http://schemas.microsoft.com/office/drawing/2014/main" id="{03F1EEA0-A364-F98B-0E07-0B3F1D7E5822}"/>
+              </a:ext>
+            </a:extLst>
+          </p:cNvPr>
+          <p:cNvGraphicFramePr>
+            <a:graphicFrameLocks noGrp="1"/>
+          </p:cNvGraphicFramePr>
+          <p:nvPr>
+            <p:extLst>
+              <p:ext uri="{D42A27DB-BD31-4B8C-83A1-F6EECF244321}">
+                <p14:modId xmlns:p14="http://schemas.microsoft.com/office/powerpoint/2010/main" val="3906354249"/>
+              </p:ext>
+            </p:extLst>
+          </p:nvPr>
+        </p:nvGraphicFramePr>
+        <p:xfrm>
+          <a:off x="228600" y="863600"/>
+          <a:ext cx="8559799" cy="4978400"/>
+        </p:xfrm>
+        <a:graphic>
+          <a:graphicData uri="http://schemas.openxmlformats.org/drawingml/2006/table">
+            <a:tbl>
+              <a:tblPr firstRow="1" firstCol="1" bandRow="1">
+                <a:tableStyleId>{5C22544A-7EE6-4342-B048-85BDC9FD1C3A}</a:tableStyleId>
+              </a:tblPr>
+              <a:tblGrid>
+                <a:gridCol w="1498600">
+                  <a:extLst>
+                    <a:ext uri="{9D8B030D-6E8A-4147-A177-3AD203B41FA5}">
+                      <a16:colId xmlns:a16="http://schemas.microsoft.com/office/drawing/2014/main" val="2893626722"/>
+                    </a:ext>
+                  </a:extLst>
+                </a:gridCol>
+                <a:gridCol w="2353733">
+                  <a:extLst>
+                    <a:ext uri="{9D8B030D-6E8A-4147-A177-3AD203B41FA5}">
+                      <a16:colId xmlns:a16="http://schemas.microsoft.com/office/drawing/2014/main" val="3069293214"/>
+                    </a:ext>
+                  </a:extLst>
+                </a:gridCol>
+                <a:gridCol w="2353733">
+                  <a:extLst>
+                    <a:ext uri="{9D8B030D-6E8A-4147-A177-3AD203B41FA5}">
+                      <a16:colId xmlns:a16="http://schemas.microsoft.com/office/drawing/2014/main" val="150902809"/>
+                    </a:ext>
+                  </a:extLst>
+                </a:gridCol>
+                <a:gridCol w="2353733">
+                  <a:extLst>
+                    <a:ext uri="{9D8B030D-6E8A-4147-A177-3AD203B41FA5}">
+                      <a16:colId xmlns:a16="http://schemas.microsoft.com/office/drawing/2014/main" val="3981404648"/>
+                    </a:ext>
+                  </a:extLst>
+                </a:gridCol>
+              </a:tblGrid>
+              <a:tr h="1244600">
+                <a:tc>
+                  <a:txBody>
+                    <a:bodyPr/>
+                    <a:lstStyle/>
+                    <a:p>
+                      <a:pPr algn="ctr"/>
+                      <a:endParaRPr lang="en-CA" sz="2800" dirty="0"/>
+                    </a:p>
+                  </a:txBody>
+                  <a:tcPr anchor="ctr">
+                    <a:noFill/>
+                  </a:tcPr>
+                </a:tc>
+                <a:tc>
+                  <a:txBody>
+                    <a:bodyPr/>
+                    <a:lstStyle/>
+                    <a:p>
+                      <a:pPr algn="ctr"/>
+                      <a:r>
+                        <a:rPr lang="en-CA" sz="2800" dirty="0"/>
+                        <a:t>Series 0</a:t>
+                      </a:r>
+                    </a:p>
+                  </a:txBody>
+                  <a:tcPr anchor="ctr"/>
+                </a:tc>
+                <a:tc>
+                  <a:txBody>
+                    <a:bodyPr/>
+                    <a:lstStyle/>
+                    <a:p>
+                      <a:pPr algn="ctr"/>
+                      <a:r>
+                        <a:rPr lang="en-CA" sz="2800" dirty="0"/>
+                        <a:t>Series 1</a:t>
+                      </a:r>
+                    </a:p>
+                  </a:txBody>
+                  <a:tcPr anchor="ctr"/>
+                </a:tc>
+                <a:tc>
+                  <a:txBody>
+                    <a:bodyPr/>
+                    <a:lstStyle/>
+                    <a:p>
+                      <a:pPr algn="ctr"/>
+                      <a:r>
+                        <a:rPr lang="en-CA" sz="2800" dirty="0"/>
+                        <a:t>Series 2</a:t>
+                      </a:r>
+                    </a:p>
+                  </a:txBody>
+                  <a:tcPr anchor="ctr"/>
+                </a:tc>
+                <a:extLst>
+                  <a:ext uri="{0D108BD9-81ED-4DB2-BD59-A6C34878D82A}">
+                    <a16:rowId xmlns:a16="http://schemas.microsoft.com/office/drawing/2014/main" val="1353461825"/>
+                  </a:ext>
+                </a:extLst>
+              </a:tr>
+              <a:tr h="1244600">
+                <a:tc>
+                  <a:txBody>
+                    <a:bodyPr/>
+                    <a:lstStyle/>
+                    <a:p>
+                      <a:pPr algn="ctr"/>
+                      <a:r>
+                        <a:rPr lang="en-CA" sz="2800" dirty="0"/>
+                        <a:t>Row 0</a:t>
+                      </a:r>
+                    </a:p>
+                  </a:txBody>
+                  <a:tcPr anchor="ctr"/>
+                </a:tc>
+                <a:tc>
+                  <a:txBody>
+                    <a:bodyPr/>
+                    <a:lstStyle/>
+                    <a:p>
+                      <a:pPr algn="ctr"/>
+                      <a:r>
+                        <a:rPr lang="en-CA" sz="1800" dirty="0">
+                          <a:latin typeface="Aptos Mono" panose="020B0009020202020204" pitchFamily="49" charset="0"/>
+                        </a:rPr>
+                        <a:t>[“row 0”, “series 0”]</a:t>
+                      </a:r>
+                    </a:p>
+                  </a:txBody>
+                  <a:tcPr anchor="ctr"/>
+                </a:tc>
+                <a:tc>
+                  <a:txBody>
+                    <a:bodyPr/>
+                    <a:lstStyle/>
+                    <a:p>
+                      <a:pPr marL="0" marR="0" lvl="0" indent="0" algn="ctr" defTabSz="914175" rtl="0" eaLnBrk="1" fontAlgn="auto" latinLnBrk="0" hangingPunct="1">
+                        <a:lnSpc>
+                          <a:spcPct val="100000"/>
+                        </a:lnSpc>
+                        <a:spcBef>
+                          <a:spcPts val="0"/>
+                        </a:spcBef>
+                        <a:spcAft>
+                          <a:spcPts val="0"/>
+                        </a:spcAft>
+                        <a:buClrTx/>
+                        <a:buSzTx/>
+                        <a:buFontTx/>
+                        <a:buNone/>
+                        <a:tabLst/>
+                        <a:defRPr/>
+                      </a:pPr>
+                      <a:r>
+                        <a:rPr lang="en-CA" sz="1800" dirty="0">
+                          <a:latin typeface="Aptos Mono" panose="020B0009020202020204" pitchFamily="49" charset="0"/>
+                        </a:rPr>
+                        <a:t>[“row 0”, “series 1”]</a:t>
+                      </a:r>
+                    </a:p>
+                  </a:txBody>
+                  <a:tcPr anchor="ctr"/>
+                </a:tc>
+                <a:tc>
+                  <a:txBody>
+                    <a:bodyPr/>
+                    <a:lstStyle/>
+                    <a:p>
+                      <a:pPr marL="0" marR="0" lvl="0" indent="0" algn="ctr" defTabSz="914175" rtl="0" eaLnBrk="1" fontAlgn="auto" latinLnBrk="0" hangingPunct="1">
+                        <a:lnSpc>
+                          <a:spcPct val="100000"/>
+                        </a:lnSpc>
+                        <a:spcBef>
+                          <a:spcPts val="0"/>
+                        </a:spcBef>
+                        <a:spcAft>
+                          <a:spcPts val="0"/>
+                        </a:spcAft>
+                        <a:buClrTx/>
+                        <a:buSzTx/>
+                        <a:buFontTx/>
+                        <a:buNone/>
+                        <a:tabLst/>
+                        <a:defRPr/>
+                      </a:pPr>
+                      <a:r>
+                        <a:rPr lang="en-CA" sz="1800" dirty="0">
+                          <a:latin typeface="Aptos Mono" panose="020B0009020202020204" pitchFamily="49" charset="0"/>
+                        </a:rPr>
+                        <a:t>[“row 0”, “series 2”]</a:t>
+                      </a:r>
+                    </a:p>
+                  </a:txBody>
+                  <a:tcPr anchor="ctr"/>
+                </a:tc>
+                <a:extLst>
+                  <a:ext uri="{0D108BD9-81ED-4DB2-BD59-A6C34878D82A}">
+                    <a16:rowId xmlns:a16="http://schemas.microsoft.com/office/drawing/2014/main" val="3734566292"/>
+                  </a:ext>
+                </a:extLst>
+              </a:tr>
+              <a:tr h="1244600">
+                <a:tc>
+                  <a:txBody>
+                    <a:bodyPr/>
+                    <a:lstStyle/>
+                    <a:p>
+                      <a:pPr algn="ctr"/>
+                      <a:r>
+                        <a:rPr lang="en-CA" sz="2800" dirty="0"/>
+                        <a:t>Row 1</a:t>
+                      </a:r>
+                    </a:p>
+                  </a:txBody>
+                  <a:tcPr anchor="ctr"/>
+                </a:tc>
+                <a:tc>
+                  <a:txBody>
+                    <a:bodyPr/>
+                    <a:lstStyle/>
+                    <a:p>
+                      <a:pPr marL="0" marR="0" lvl="0" indent="0" algn="ctr" defTabSz="914175" rtl="0" eaLnBrk="1" fontAlgn="auto" latinLnBrk="0" hangingPunct="1">
+                        <a:lnSpc>
+                          <a:spcPct val="100000"/>
+                        </a:lnSpc>
+                        <a:spcBef>
+                          <a:spcPts val="0"/>
+                        </a:spcBef>
+                        <a:spcAft>
+                          <a:spcPts val="0"/>
+                        </a:spcAft>
+                        <a:buClrTx/>
+                        <a:buSzTx/>
+                        <a:buFontTx/>
+                        <a:buNone/>
+                        <a:tabLst/>
+                        <a:defRPr/>
+                      </a:pPr>
+                      <a:r>
+                        <a:rPr lang="en-CA" sz="1800" dirty="0">
+                          <a:latin typeface="Aptos Mono" panose="020B0009020202020204" pitchFamily="49" charset="0"/>
+                        </a:rPr>
+                        <a:t>[“row 1”, “series 0”]</a:t>
+                      </a:r>
+                    </a:p>
+                  </a:txBody>
+                  <a:tcPr anchor="ctr"/>
+                </a:tc>
+                <a:tc>
+                  <a:txBody>
+                    <a:bodyPr/>
+                    <a:lstStyle/>
+                    <a:p>
+                      <a:pPr algn="ctr"/>
+                      <a:r>
+                        <a:rPr lang="en-CA" sz="1800" dirty="0">
+                          <a:latin typeface="Aptos Mono" panose="020B0009020202020204" pitchFamily="49" charset="0"/>
+                        </a:rPr>
+                        <a:t>[“row 1”, “series 1”]</a:t>
+                      </a:r>
+                    </a:p>
+                  </a:txBody>
+                  <a:tcPr anchor="ctr"/>
+                </a:tc>
+                <a:tc>
+                  <a:txBody>
+                    <a:bodyPr/>
+                    <a:lstStyle/>
+                    <a:p>
+                      <a:pPr algn="ctr"/>
+                      <a:r>
+                        <a:rPr lang="en-CA" sz="1800" dirty="0">
+                          <a:latin typeface="Aptos Mono" panose="020B0009020202020204" pitchFamily="49" charset="0"/>
+                        </a:rPr>
+                        <a:t>[“row 1”, “series 2”]</a:t>
+                      </a:r>
+                    </a:p>
+                  </a:txBody>
+                  <a:tcPr anchor="ctr"/>
+                </a:tc>
+                <a:extLst>
+                  <a:ext uri="{0D108BD9-81ED-4DB2-BD59-A6C34878D82A}">
+                    <a16:rowId xmlns:a16="http://schemas.microsoft.com/office/drawing/2014/main" val="2214091798"/>
+                  </a:ext>
+                </a:extLst>
+              </a:tr>
+              <a:tr h="1244600">
+                <a:tc>
+                  <a:txBody>
+                    <a:bodyPr/>
+                    <a:lstStyle/>
+                    <a:p>
+                      <a:pPr algn="ctr"/>
+                      <a:r>
+                        <a:rPr lang="en-CA" sz="2800" dirty="0"/>
+                        <a:t>Row 2</a:t>
+                      </a:r>
+                    </a:p>
+                  </a:txBody>
+                  <a:tcPr anchor="ctr"/>
+                </a:tc>
+                <a:tc>
+                  <a:txBody>
+                    <a:bodyPr/>
+                    <a:lstStyle/>
+                    <a:p>
+                      <a:pPr marL="0" marR="0" lvl="0" indent="0" algn="ctr" defTabSz="914175" rtl="0" eaLnBrk="1" fontAlgn="auto" latinLnBrk="0" hangingPunct="1">
+                        <a:lnSpc>
+                          <a:spcPct val="100000"/>
+                        </a:lnSpc>
+                        <a:spcBef>
+                          <a:spcPts val="0"/>
+                        </a:spcBef>
+                        <a:spcAft>
+                          <a:spcPts val="0"/>
+                        </a:spcAft>
+                        <a:buClrTx/>
+                        <a:buSzTx/>
+                        <a:buFontTx/>
+                        <a:buNone/>
+                        <a:tabLst/>
+                        <a:defRPr/>
+                      </a:pPr>
+                      <a:r>
+                        <a:rPr lang="en-CA" sz="1800" dirty="0">
+                          <a:latin typeface="Aptos Mono" panose="020B0009020202020204" pitchFamily="49" charset="0"/>
+                        </a:rPr>
+                        <a:t>[“row 2”, “series 0”]</a:t>
+                      </a:r>
+                    </a:p>
+                  </a:txBody>
+                  <a:tcPr anchor="ctr"/>
+                </a:tc>
+                <a:tc>
+                  <a:txBody>
+                    <a:bodyPr/>
+                    <a:lstStyle/>
+                    <a:p>
+                      <a:pPr marL="0" marR="0" lvl="0" indent="0" algn="ctr" defTabSz="914175" rtl="0" eaLnBrk="1" fontAlgn="auto" latinLnBrk="0" hangingPunct="1">
+                        <a:lnSpc>
+                          <a:spcPct val="100000"/>
+                        </a:lnSpc>
+                        <a:spcBef>
+                          <a:spcPts val="0"/>
+                        </a:spcBef>
+                        <a:spcAft>
+                          <a:spcPts val="0"/>
+                        </a:spcAft>
+                        <a:buClrTx/>
+                        <a:buSzTx/>
+                        <a:buFontTx/>
+                        <a:buNone/>
+                        <a:tabLst/>
+                        <a:defRPr/>
+                      </a:pPr>
+                      <a:r>
+                        <a:rPr lang="en-CA" sz="1800" dirty="0">
+                          <a:latin typeface="Aptos Mono" panose="020B0009020202020204" pitchFamily="49" charset="0"/>
+                        </a:rPr>
+                        <a:t>[“row 2”, “series 1”]</a:t>
+                      </a:r>
+                    </a:p>
+                  </a:txBody>
+                  <a:tcPr anchor="ctr"/>
+                </a:tc>
+                <a:tc>
+                  <a:txBody>
+                    <a:bodyPr/>
+                    <a:lstStyle/>
+                    <a:p>
+                      <a:pPr marL="0" marR="0" lvl="0" indent="0" algn="ctr" defTabSz="914175" rtl="0" eaLnBrk="1" fontAlgn="auto" latinLnBrk="0" hangingPunct="1">
+                        <a:lnSpc>
+                          <a:spcPct val="100000"/>
+                        </a:lnSpc>
+                        <a:spcBef>
+                          <a:spcPts val="0"/>
+                        </a:spcBef>
+                        <a:spcAft>
+                          <a:spcPts val="0"/>
+                        </a:spcAft>
+                        <a:buClrTx/>
+                        <a:buSzTx/>
+                        <a:buFontTx/>
+                        <a:buNone/>
+                        <a:tabLst/>
+                        <a:defRPr/>
+                      </a:pPr>
+                      <a:r>
+                        <a:rPr lang="en-CA" sz="1800" dirty="0">
+                          <a:latin typeface="Aptos Mono" panose="020B0009020202020204" pitchFamily="49" charset="0"/>
+                        </a:rPr>
+                        <a:t>[“row 2”, “series 2”]</a:t>
+                      </a:r>
+                    </a:p>
+                  </a:txBody>
+                  <a:tcPr anchor="ctr"/>
+                </a:tc>
+                <a:extLst>
+                  <a:ext uri="{0D108BD9-81ED-4DB2-BD59-A6C34878D82A}">
+                    <a16:rowId xmlns:a16="http://schemas.microsoft.com/office/drawing/2014/main" val="2383002064"/>
+                  </a:ext>
+                </a:extLst>
+              </a:tr>
+            </a:tbl>
+          </a:graphicData>
+        </a:graphic>
+      </p:graphicFrame>
+      <p:sp>
+        <p:nvSpPr>
+          <p:cNvPr id="4" name="TextBox 3">
+            <a:extLst>
+              <a:ext uri="{FF2B5EF4-FFF2-40B4-BE49-F238E27FC236}">
+                <a16:creationId xmlns:a16="http://schemas.microsoft.com/office/drawing/2014/main" id="{C35D3024-DD65-6BA2-0AD2-49EDE78B2794}"/>
+              </a:ext>
+            </a:extLst>
+          </p:cNvPr>
+          <p:cNvSpPr txBox="1"/>
+          <p:nvPr/>
+        </p:nvSpPr>
+        <p:spPr>
+          <a:xfrm>
+            <a:off x="228600" y="165100"/>
+            <a:ext cx="4053482" cy="584775"/>
+          </a:xfrm>
+          <a:prstGeom prst="rect">
+            <a:avLst/>
+          </a:prstGeom>
+          <a:noFill/>
+        </p:spPr>
+        <p:txBody>
+          <a:bodyPr wrap="none" rtlCol="0">
+            <a:spAutoFit/>
+          </a:bodyPr>
+          <a:lstStyle/>
+          <a:p>
+            <a:r>
+              <a:rPr lang="en-CA" sz="3200" dirty="0"/>
+              <a:t>By name: </a:t>
+            </a:r>
+            <a:r>
+              <a:rPr lang="en-CA" sz="3200" dirty="0" err="1">
+                <a:latin typeface="Aptos Mono" panose="020B0009020202020204" pitchFamily="49" charset="0"/>
+              </a:rPr>
+              <a:t>my_df.loc</a:t>
+            </a:r>
+            <a:endParaRPr lang="en-CA" sz="3200" dirty="0">
+              <a:latin typeface="Aptos Mono" panose="020B0009020202020204" pitchFamily="49" charset="0"/>
+            </a:endParaRPr>
+          </a:p>
+        </p:txBody>
+      </p:sp>
+    </p:spTree>
+    <p:extLst>
+      <p:ext uri="{BB962C8B-B14F-4D97-AF65-F5344CB8AC3E}">
+        <p14:creationId xmlns:p14="http://schemas.microsoft.com/office/powerpoint/2010/main" val="38499322"/>
+      </p:ext>
+    </p:extLst>
+  </p:cSld>
+  <p:clrMapOvr>
+    <a:masterClrMapping/>
+  </p:clrMapOvr>
+</p:sld>
+</file>
+
+<file path=ppt/slides/slide21.xml><?xml version="1.0" encoding="utf-8"?>
+<p:sld xmlns:a="http://schemas.openxmlformats.org/drawingml/2006/main" xmlns:r="http://schemas.openxmlformats.org/officeDocument/2006/relationships" xmlns:p="http://schemas.openxmlformats.org/presentationml/2006/main">
+  <p:cSld>
+    <p:spTree>
+      <p:nvGrpSpPr>
         <p:cNvPr id="1" name="">
           <a:extLst>
             <a:ext uri="{FF2B5EF4-FFF2-40B4-BE49-F238E27FC236}">
@@ -12434,7 +13354,7 @@
 </p:sld>
 </file>
 
-<file path=ppt/slides/slide21.xml><?xml version="1.0" encoding="utf-8"?>
+<file path=ppt/slides/slide22.xml><?xml version="1.0" encoding="utf-8"?>
 <p:sld xmlns:a="http://schemas.openxmlformats.org/drawingml/2006/main" xmlns:r="http://schemas.openxmlformats.org/officeDocument/2006/relationships" xmlns:p="http://schemas.openxmlformats.org/presentationml/2006/main">
   <p:cSld>
     <p:spTree>
@@ -12814,7 +13734,7 @@
 </p:sld>
 </file>
 
-<file path=ppt/slides/slide22.xml><?xml version="1.0" encoding="utf-8"?>
+<file path=ppt/slides/slide23.xml><?xml version="1.0" encoding="utf-8"?>
 <p:sld xmlns:a="http://schemas.openxmlformats.org/drawingml/2006/main" xmlns:r="http://schemas.openxmlformats.org/officeDocument/2006/relationships" xmlns:p="http://schemas.openxmlformats.org/presentationml/2006/main">
   <p:cSld>
     <p:spTree>
@@ -13089,6 +14009,303 @@
 </file>
 
 <file path=ppt/slides/slide4.xml><?xml version="1.0" encoding="utf-8"?>
+<p:sld xmlns:a="http://schemas.openxmlformats.org/drawingml/2006/main" xmlns:r="http://schemas.openxmlformats.org/officeDocument/2006/relationships" xmlns:p="http://schemas.openxmlformats.org/presentationml/2006/main">
+  <p:cSld>
+    <p:spTree>
+      <p:nvGrpSpPr>
+        <p:cNvPr id="1" name=""/>
+        <p:cNvGrpSpPr/>
+        <p:nvPr/>
+      </p:nvGrpSpPr>
+      <p:grpSpPr>
+        <a:xfrm>
+          <a:off x="0" y="0"/>
+          <a:ext cx="0" cy="0"/>
+          <a:chOff x="0" y="0"/>
+          <a:chExt cx="0" cy="0"/>
+        </a:xfrm>
+      </p:grpSpPr>
+      <p:sp>
+        <p:nvSpPr>
+          <p:cNvPr id="2" name="Title 1">
+            <a:extLst>
+              <a:ext uri="{FF2B5EF4-FFF2-40B4-BE49-F238E27FC236}">
+                <a16:creationId xmlns:a16="http://schemas.microsoft.com/office/drawing/2014/main" id="{858B6CB6-3AC9-DA48-BC60-CD6CCF2207F0}"/>
+              </a:ext>
+            </a:extLst>
+          </p:cNvPr>
+          <p:cNvSpPr>
+            <a:spLocks noGrp="1"/>
+          </p:cNvSpPr>
+          <p:nvPr>
+            <p:ph type="title"/>
+          </p:nvPr>
+        </p:nvSpPr>
+        <p:spPr>
+          <a:xfrm>
+            <a:off x="628650" y="149223"/>
+            <a:ext cx="7886700" cy="1325565"/>
+          </a:xfrm>
+        </p:spPr>
+        <p:txBody>
+          <a:bodyPr/>
+          <a:lstStyle/>
+          <a:p>
+            <a:r>
+              <a:rPr lang="en-CA" dirty="0">
+                <a:latin typeface="Arial" panose="020B0604020202020204" pitchFamily="34" charset="0"/>
+                <a:cs typeface="Arial" panose="020B0604020202020204" pitchFamily="34" charset="0"/>
+              </a:rPr>
+              <a:t>Learning Outcomes</a:t>
+            </a:r>
+          </a:p>
+        </p:txBody>
+      </p:sp>
+      <p:sp>
+        <p:nvSpPr>
+          <p:cNvPr id="3" name="Content Placeholder 2">
+            <a:extLst>
+              <a:ext uri="{FF2B5EF4-FFF2-40B4-BE49-F238E27FC236}">
+                <a16:creationId xmlns:a16="http://schemas.microsoft.com/office/drawing/2014/main" id="{D0E6AA13-8806-1A11-9DDC-664EEF2FB52B}"/>
+              </a:ext>
+            </a:extLst>
+          </p:cNvPr>
+          <p:cNvSpPr>
+            <a:spLocks noGrp="1"/>
+          </p:cNvSpPr>
+          <p:nvPr>
+            <p:ph idx="1"/>
+          </p:nvPr>
+        </p:nvSpPr>
+        <p:spPr>
+          <a:xfrm>
+            <a:off x="628650" y="1168400"/>
+            <a:ext cx="8337550" cy="5054600"/>
+          </a:xfrm>
+        </p:spPr>
+        <p:txBody>
+          <a:bodyPr>
+            <a:normAutofit lnSpcReduction="10000"/>
+          </a:bodyPr>
+          <a:lstStyle/>
+          <a:p>
+            <a:pPr marL="0" indent="0">
+              <a:lnSpc>
+                <a:spcPct val="120000"/>
+              </a:lnSpc>
+              <a:spcBef>
+                <a:spcPts val="0"/>
+              </a:spcBef>
+              <a:spcAft>
+                <a:spcPts val="600"/>
+              </a:spcAft>
+              <a:buNone/>
+            </a:pPr>
+            <a:r>
+              <a:rPr lang="en-CA" sz="1800" b="1" dirty="0">
+                <a:effectLst/>
+                <a:latin typeface="Arial" panose="020B0604020202020204" pitchFamily="34" charset="0"/>
+                <a:ea typeface="Calibri" panose="020F0502020204030204" pitchFamily="34" charset="0"/>
+              </a:rPr>
+              <a:t>Summary</a:t>
+            </a:r>
+          </a:p>
+          <a:p>
+            <a:pPr marL="0" indent="0">
+              <a:lnSpc>
+                <a:spcPct val="120000"/>
+              </a:lnSpc>
+              <a:spcBef>
+                <a:spcPts val="0"/>
+              </a:spcBef>
+              <a:spcAft>
+                <a:spcPts val="600"/>
+              </a:spcAft>
+              <a:buNone/>
+            </a:pPr>
+            <a:r>
+              <a:rPr lang="en-CA" sz="1800" dirty="0">
+                <a:effectLst/>
+                <a:latin typeface="Arial" panose="020B0604020202020204" pitchFamily="34" charset="0"/>
+                <a:ea typeface="Calibri" panose="020F0502020204030204" pitchFamily="34" charset="0"/>
+              </a:rPr>
+              <a:t>In this 4-hour workshop, students will learn basic data processing skills using Python. Attendees will learn how to import code from other modules and packages to take advantage of the existing Python ecosystem. After seeing how to access packages, we will explore popular data analysis packages. We will see how to use NumPy to perform operations on large data arrays and how to use Matplotlib to generate clear data visualisations. Finally, we will discuss how to approach a new, unfamiliar package and learn how to use it.</a:t>
+            </a:r>
+            <a:endParaRPr lang="en-CA" sz="1800" dirty="0">
+              <a:effectLst/>
+              <a:latin typeface="Arial" panose="020B0604020202020204" pitchFamily="34" charset="0"/>
+              <a:ea typeface="Arial" panose="020B0604020202020204" pitchFamily="34" charset="0"/>
+            </a:endParaRPr>
+          </a:p>
+          <a:p>
+            <a:pPr marL="0" indent="0">
+              <a:lnSpc>
+                <a:spcPct val="120000"/>
+              </a:lnSpc>
+              <a:spcBef>
+                <a:spcPts val="0"/>
+              </a:spcBef>
+              <a:spcAft>
+                <a:spcPts val="600"/>
+              </a:spcAft>
+              <a:buNone/>
+            </a:pPr>
+            <a:endParaRPr lang="en-CA" sz="1800" b="1" dirty="0">
+              <a:effectLst/>
+              <a:latin typeface="Arial" panose="020B0604020202020204" pitchFamily="34" charset="0"/>
+              <a:ea typeface="Calibri" panose="020F0502020204030204" pitchFamily="34" charset="0"/>
+            </a:endParaRPr>
+          </a:p>
+          <a:p>
+            <a:pPr marL="0" indent="0">
+              <a:lnSpc>
+                <a:spcPct val="120000"/>
+              </a:lnSpc>
+              <a:spcBef>
+                <a:spcPts val="0"/>
+              </a:spcBef>
+              <a:spcAft>
+                <a:spcPts val="600"/>
+              </a:spcAft>
+              <a:buNone/>
+            </a:pPr>
+            <a:r>
+              <a:rPr lang="en-CA" sz="1800" b="1" dirty="0">
+                <a:effectLst/>
+                <a:latin typeface="Arial" panose="020B0604020202020204" pitchFamily="34" charset="0"/>
+                <a:ea typeface="Calibri" panose="020F0502020204030204" pitchFamily="34" charset="0"/>
+              </a:rPr>
+              <a:t>Learning Objectives</a:t>
+            </a:r>
+            <a:endParaRPr lang="en-CA" sz="1800" dirty="0">
+              <a:effectLst/>
+              <a:latin typeface="Arial" panose="020B0604020202020204" pitchFamily="34" charset="0"/>
+              <a:ea typeface="Arial" panose="020B0604020202020204" pitchFamily="34" charset="0"/>
+            </a:endParaRPr>
+          </a:p>
+          <a:p>
+            <a:pPr marL="342900" indent="-342900">
+              <a:lnSpc>
+                <a:spcPct val="120000"/>
+              </a:lnSpc>
+              <a:spcBef>
+                <a:spcPts val="0"/>
+              </a:spcBef>
+              <a:spcAft>
+                <a:spcPts val="600"/>
+              </a:spcAft>
+              <a:buFont typeface="+mj-lt"/>
+              <a:buAutoNum type="arabicPeriod"/>
+            </a:pPr>
+            <a:r>
+              <a:rPr lang="en-CA" sz="1800" dirty="0">
+                <a:effectLst/>
+                <a:latin typeface="Arial" panose="020B0604020202020204" pitchFamily="34" charset="0"/>
+                <a:ea typeface="Arial" panose="020B0604020202020204" pitchFamily="34" charset="0"/>
+              </a:rPr>
+              <a:t>Import code from existing modules and packages.</a:t>
+            </a:r>
+          </a:p>
+          <a:p>
+            <a:pPr marL="342900" indent="-342900">
+              <a:lnSpc>
+                <a:spcPct val="120000"/>
+              </a:lnSpc>
+              <a:spcBef>
+                <a:spcPts val="0"/>
+              </a:spcBef>
+              <a:spcAft>
+                <a:spcPts val="600"/>
+              </a:spcAft>
+              <a:buFont typeface="+mj-lt"/>
+              <a:buAutoNum type="arabicPeriod"/>
+            </a:pPr>
+            <a:r>
+              <a:rPr lang="en-CA" sz="1800" dirty="0">
+                <a:effectLst/>
+                <a:latin typeface="Arial" panose="020B0604020202020204" pitchFamily="34" charset="0"/>
+                <a:ea typeface="Calibri" panose="020F0502020204030204" pitchFamily="34" charset="0"/>
+              </a:rPr>
+              <a:t>Use NumPy to easily process multidimensional data.</a:t>
+            </a:r>
+            <a:endParaRPr lang="en-CA" sz="1800" dirty="0">
+              <a:effectLst/>
+              <a:latin typeface="Arial" panose="020B0604020202020204" pitchFamily="34" charset="0"/>
+              <a:ea typeface="Arial" panose="020B0604020202020204" pitchFamily="34" charset="0"/>
+            </a:endParaRPr>
+          </a:p>
+          <a:p>
+            <a:pPr marL="342900" indent="-342900">
+              <a:lnSpc>
+                <a:spcPct val="120000"/>
+              </a:lnSpc>
+              <a:spcBef>
+                <a:spcPts val="0"/>
+              </a:spcBef>
+              <a:spcAft>
+                <a:spcPts val="600"/>
+              </a:spcAft>
+              <a:buFont typeface="+mj-lt"/>
+              <a:buAutoNum type="arabicPeriod"/>
+            </a:pPr>
+            <a:r>
+              <a:rPr lang="en-CA" sz="1800" dirty="0">
+                <a:effectLst/>
+                <a:latin typeface="Arial" panose="020B0604020202020204" pitchFamily="34" charset="0"/>
+                <a:ea typeface="Calibri" panose="020F0502020204030204" pitchFamily="34" charset="0"/>
+              </a:rPr>
+              <a:t>Use Matplotlib to generate different types of plots to visualise data.</a:t>
+            </a:r>
+            <a:endParaRPr lang="en-CA" sz="1800" dirty="0">
+              <a:effectLst/>
+              <a:latin typeface="Arial" panose="020B0604020202020204" pitchFamily="34" charset="0"/>
+              <a:ea typeface="Arial" panose="020B0604020202020204" pitchFamily="34" charset="0"/>
+            </a:endParaRPr>
+          </a:p>
+          <a:p>
+            <a:pPr marL="342900" indent="-342900">
+              <a:lnSpc>
+                <a:spcPct val="120000"/>
+              </a:lnSpc>
+              <a:spcBef>
+                <a:spcPts val="0"/>
+              </a:spcBef>
+              <a:spcAft>
+                <a:spcPts val="600"/>
+              </a:spcAft>
+              <a:buFont typeface="+mj-lt"/>
+              <a:buAutoNum type="arabicPeriod"/>
+            </a:pPr>
+            <a:r>
+              <a:rPr lang="en-CA" sz="1800" dirty="0">
+                <a:effectLst/>
+                <a:latin typeface="Arial" panose="020B0604020202020204" pitchFamily="34" charset="0"/>
+                <a:ea typeface="Calibri" panose="020F0502020204030204" pitchFamily="34" charset="0"/>
+              </a:rPr>
+              <a:t>Approach a new package and explore its documentation and examples.</a:t>
+            </a:r>
+            <a:endParaRPr lang="en-CA" sz="1800" dirty="0">
+              <a:effectLst/>
+              <a:latin typeface="Arial" panose="020B0604020202020204" pitchFamily="34" charset="0"/>
+              <a:ea typeface="Arial" panose="020B0604020202020204" pitchFamily="34" charset="0"/>
+            </a:endParaRPr>
+          </a:p>
+        </p:txBody>
+      </p:sp>
+    </p:spTree>
+    <p:extLst>
+      <p:ext uri="{BB962C8B-B14F-4D97-AF65-F5344CB8AC3E}">
+        <p14:creationId xmlns:p14="http://schemas.microsoft.com/office/powerpoint/2010/main" val="2440716118"/>
+      </p:ext>
+    </p:extLst>
+  </p:cSld>
+  <p:clrMapOvr>
+    <a:masterClrMapping/>
+  </p:clrMapOvr>
+</p:sld>
+</file>
+
+<file path=ppt/slides/slide5.xml><?xml version="1.0" encoding="utf-8"?>
 <p:sld xmlns:a="http://schemas.openxmlformats.org/drawingml/2006/main" xmlns:r="http://schemas.openxmlformats.org/officeDocument/2006/relationships" xmlns:p="http://schemas.openxmlformats.org/presentationml/2006/main">
   <p:cSld>
     <p:spTree>
@@ -13828,7 +15045,7 @@
 </p:sld>
 </file>
 
-<file path=ppt/slides/slide5.xml><?xml version="1.0" encoding="utf-8"?>
+<file path=ppt/slides/slide6.xml><?xml version="1.0" encoding="utf-8"?>
 <p:sld xmlns:a="http://schemas.openxmlformats.org/drawingml/2006/main" xmlns:r="http://schemas.openxmlformats.org/officeDocument/2006/relationships" xmlns:p="http://schemas.openxmlformats.org/presentationml/2006/main">
   <p:cSld>
     <p:spTree>
@@ -14717,7 +15934,7 @@
 </p:sld>
 </file>
 
-<file path=ppt/slides/slide6.xml><?xml version="1.0" encoding="utf-8"?>
+<file path=ppt/slides/slide7.xml><?xml version="1.0" encoding="utf-8"?>
 <p:sld xmlns:a="http://schemas.openxmlformats.org/drawingml/2006/main" xmlns:r="http://schemas.openxmlformats.org/officeDocument/2006/relationships" xmlns:p="http://schemas.openxmlformats.org/presentationml/2006/main">
   <p:cSld>
     <p:spTree>
@@ -14923,7 +16140,7 @@
 </p:sld>
 </file>
 
-<file path=ppt/slides/slide7.xml><?xml version="1.0" encoding="utf-8"?>
+<file path=ppt/slides/slide8.xml><?xml version="1.0" encoding="utf-8"?>
 <p:sld xmlns:a="http://schemas.openxmlformats.org/drawingml/2006/main" xmlns:r="http://schemas.openxmlformats.org/officeDocument/2006/relationships" xmlns:p="http://schemas.openxmlformats.org/presentationml/2006/main">
   <p:cSld>
     <p:spTree>
@@ -15028,7 +16245,7 @@
 </p:sld>
 </file>
 
-<file path=ppt/slides/slide8.xml><?xml version="1.0" encoding="utf-8"?>
+<file path=ppt/slides/slide9.xml><?xml version="1.0" encoding="utf-8"?>
 <p:sld xmlns:a="http://schemas.openxmlformats.org/drawingml/2006/main" xmlns:r="http://schemas.openxmlformats.org/officeDocument/2006/relationships" xmlns:p="http://schemas.openxmlformats.org/presentationml/2006/main">
   <p:cSld>
     <p:spTree>
@@ -15875,925 +17092,6 @@
   <p:clrMapOvr>
     <a:masterClrMapping/>
   </p:clrMapOvr>
-</p:sld>
-</file>
-
-<file path=ppt/slides/slide9.xml><?xml version="1.0" encoding="utf-8"?>
-<p:sld xmlns:a="http://schemas.openxmlformats.org/drawingml/2006/main" xmlns:r="http://schemas.openxmlformats.org/officeDocument/2006/relationships" xmlns:p="http://schemas.openxmlformats.org/presentationml/2006/main">
-  <p:cSld>
-    <p:spTree>
-      <p:nvGrpSpPr>
-        <p:cNvPr id="1" name=""/>
-        <p:cNvGrpSpPr/>
-        <p:nvPr/>
-      </p:nvGrpSpPr>
-      <p:grpSpPr>
-        <a:xfrm>
-          <a:off x="0" y="0"/>
-          <a:ext cx="0" cy="0"/>
-          <a:chOff x="0" y="0"/>
-          <a:chExt cx="0" cy="0"/>
-        </a:xfrm>
-      </p:grpSpPr>
-      <p:graphicFrame>
-        <p:nvGraphicFramePr>
-          <p:cNvPr id="3" name="Table 2">
-            <a:extLst>
-              <a:ext uri="{FF2B5EF4-FFF2-40B4-BE49-F238E27FC236}">
-                <a16:creationId xmlns:a16="http://schemas.microsoft.com/office/drawing/2014/main" id="{FC9A80B6-5D2E-8104-3EFE-2662610E7846}"/>
-              </a:ext>
-            </a:extLst>
-          </p:cNvPr>
-          <p:cNvGraphicFramePr>
-            <a:graphicFrameLocks noGrp="1"/>
-          </p:cNvGraphicFramePr>
-          <p:nvPr/>
-        </p:nvGraphicFramePr>
-        <p:xfrm>
-          <a:off x="389482" y="679622"/>
-          <a:ext cx="8365038" cy="5289375"/>
-        </p:xfrm>
-        <a:graphic>
-          <a:graphicData uri="http://schemas.openxmlformats.org/drawingml/2006/table">
-            <a:tbl>
-              <a:tblPr bandRow="1">
-                <a:tableStyleId>{9D7B26C5-4107-4FEC-AEDC-1716B250A1EF}</a:tableStyleId>
-              </a:tblPr>
-              <a:tblGrid>
-                <a:gridCol w="1394173">
-                  <a:extLst>
-                    <a:ext uri="{9D8B030D-6E8A-4147-A177-3AD203B41FA5}">
-                      <a16:colId xmlns:a16="http://schemas.microsoft.com/office/drawing/2014/main" val="501879301"/>
-                    </a:ext>
-                  </a:extLst>
-                </a:gridCol>
-                <a:gridCol w="1394173">
-                  <a:extLst>
-                    <a:ext uri="{9D8B030D-6E8A-4147-A177-3AD203B41FA5}">
-                      <a16:colId xmlns:a16="http://schemas.microsoft.com/office/drawing/2014/main" val="1303827765"/>
-                    </a:ext>
-                  </a:extLst>
-                </a:gridCol>
-                <a:gridCol w="1394173">
-                  <a:extLst>
-                    <a:ext uri="{9D8B030D-6E8A-4147-A177-3AD203B41FA5}">
-                      <a16:colId xmlns:a16="http://schemas.microsoft.com/office/drawing/2014/main" val="2642395476"/>
-                    </a:ext>
-                  </a:extLst>
-                </a:gridCol>
-                <a:gridCol w="1394173">
-                  <a:extLst>
-                    <a:ext uri="{9D8B030D-6E8A-4147-A177-3AD203B41FA5}">
-                      <a16:colId xmlns:a16="http://schemas.microsoft.com/office/drawing/2014/main" val="31023376"/>
-                    </a:ext>
-                  </a:extLst>
-                </a:gridCol>
-                <a:gridCol w="1394173">
-                  <a:extLst>
-                    <a:ext uri="{9D8B030D-6E8A-4147-A177-3AD203B41FA5}">
-                      <a16:colId xmlns:a16="http://schemas.microsoft.com/office/drawing/2014/main" val="1036227730"/>
-                    </a:ext>
-                  </a:extLst>
-                </a:gridCol>
-                <a:gridCol w="1394173">
-                  <a:extLst>
-                    <a:ext uri="{9D8B030D-6E8A-4147-A177-3AD203B41FA5}">
-                      <a16:colId xmlns:a16="http://schemas.microsoft.com/office/drawing/2014/main" val="1909034482"/>
-                    </a:ext>
-                  </a:extLst>
-                </a:gridCol>
-              </a:tblGrid>
-              <a:tr h="1057875">
-                <a:tc>
-                  <a:txBody>
-                    <a:bodyPr/>
-                    <a:lstStyle/>
-                    <a:p>
-                      <a:pPr algn="ctr"/>
-                      <a:r>
-                        <a:rPr lang="en-CA" sz="2500" b="1" dirty="0">
-                          <a:solidFill>
-                            <a:schemeClr val="tx1"/>
-                          </a:solidFill>
-                        </a:rPr>
-                        <a:t>(0, 0)</a:t>
-                      </a:r>
-                    </a:p>
-                  </a:txBody>
-                  <a:tcPr marL="125476" marR="125476" marT="62738" marB="62738" anchor="ctr">
-                    <a:lnL w="28575" cap="flat" cmpd="sng" algn="ctr">
-                      <a:solidFill>
-                        <a:schemeClr val="tx1"/>
-                      </a:solidFill>
-                      <a:prstDash val="solid"/>
-                      <a:round/>
-                      <a:headEnd type="none" w="med" len="med"/>
-                      <a:tailEnd type="none" w="med" len="med"/>
-                    </a:lnL>
-                    <a:lnT w="28575" cap="flat" cmpd="sng" algn="ctr">
-                      <a:solidFill>
-                        <a:schemeClr val="tx1"/>
-                      </a:solidFill>
-                      <a:prstDash val="solid"/>
-                      <a:round/>
-                      <a:headEnd type="none" w="med" len="med"/>
-                      <a:tailEnd type="none" w="med" len="med"/>
-                    </a:lnT>
-                    <a:solidFill>
-                      <a:schemeClr val="tx1">
-                        <a:alpha val="19778"/>
-                      </a:schemeClr>
-                    </a:solidFill>
-                  </a:tcPr>
-                </a:tc>
-                <a:tc>
-                  <a:txBody>
-                    <a:bodyPr/>
-                    <a:lstStyle/>
-                    <a:p>
-                      <a:pPr algn="ctr"/>
-                      <a:r>
-                        <a:rPr lang="en-CA" sz="2500" b="1" dirty="0">
-                          <a:solidFill>
-                            <a:schemeClr val="tx1"/>
-                          </a:solidFill>
-                        </a:rPr>
-                        <a:t>(0, 1)</a:t>
-                      </a:r>
-                    </a:p>
-                  </a:txBody>
-                  <a:tcPr marL="125476" marR="125476" marT="62738" marB="62738" anchor="ctr">
-                    <a:lnT w="28575" cap="flat" cmpd="sng" algn="ctr">
-                      <a:solidFill>
-                        <a:schemeClr val="tx1"/>
-                      </a:solidFill>
-                      <a:prstDash val="solid"/>
-                      <a:round/>
-                      <a:headEnd type="none" w="med" len="med"/>
-                      <a:tailEnd type="none" w="med" len="med"/>
-                    </a:lnT>
-                    <a:solidFill>
-                      <a:schemeClr val="tx1">
-                        <a:alpha val="19778"/>
-                      </a:schemeClr>
-                    </a:solidFill>
-                  </a:tcPr>
-                </a:tc>
-                <a:tc>
-                  <a:txBody>
-                    <a:bodyPr/>
-                    <a:lstStyle/>
-                    <a:p>
-                      <a:pPr algn="ctr"/>
-                      <a:r>
-                        <a:rPr lang="en-CA" sz="2500" b="1" dirty="0">
-                          <a:solidFill>
-                            <a:schemeClr val="tx1"/>
-                          </a:solidFill>
-                        </a:rPr>
-                        <a:t>(0, 2)</a:t>
-                      </a:r>
-                    </a:p>
-                  </a:txBody>
-                  <a:tcPr marL="125476" marR="125476" marT="62738" marB="62738" anchor="ctr">
-                    <a:lnT w="28575" cap="flat" cmpd="sng" algn="ctr">
-                      <a:solidFill>
-                        <a:schemeClr val="tx1"/>
-                      </a:solidFill>
-                      <a:prstDash val="solid"/>
-                      <a:round/>
-                      <a:headEnd type="none" w="med" len="med"/>
-                      <a:tailEnd type="none" w="med" len="med"/>
-                    </a:lnT>
-                    <a:solidFill>
-                      <a:schemeClr val="tx1">
-                        <a:alpha val="19778"/>
-                      </a:schemeClr>
-                    </a:solidFill>
-                  </a:tcPr>
-                </a:tc>
-                <a:tc>
-                  <a:txBody>
-                    <a:bodyPr/>
-                    <a:lstStyle/>
-                    <a:p>
-                      <a:pPr algn="ctr"/>
-                      <a:r>
-                        <a:rPr lang="en-CA" sz="2500" b="1" dirty="0">
-                          <a:solidFill>
-                            <a:schemeClr val="tx1"/>
-                          </a:solidFill>
-                        </a:rPr>
-                        <a:t>(0, 3)</a:t>
-                      </a:r>
-                    </a:p>
-                  </a:txBody>
-                  <a:tcPr marL="125476" marR="125476" marT="62738" marB="62738" anchor="ctr">
-                    <a:lnT w="28575" cap="flat" cmpd="sng" algn="ctr">
-                      <a:solidFill>
-                        <a:schemeClr val="tx1"/>
-                      </a:solidFill>
-                      <a:prstDash val="solid"/>
-                      <a:round/>
-                      <a:headEnd type="none" w="med" len="med"/>
-                      <a:tailEnd type="none" w="med" len="med"/>
-                    </a:lnT>
-                    <a:solidFill>
-                      <a:schemeClr val="tx1">
-                        <a:alpha val="19778"/>
-                      </a:schemeClr>
-                    </a:solidFill>
-                  </a:tcPr>
-                </a:tc>
-                <a:tc>
-                  <a:txBody>
-                    <a:bodyPr/>
-                    <a:lstStyle/>
-                    <a:p>
-                      <a:pPr algn="ctr"/>
-                      <a:r>
-                        <a:rPr lang="en-CA" sz="2500" b="1" dirty="0">
-                          <a:solidFill>
-                            <a:schemeClr val="tx1"/>
-                          </a:solidFill>
-                        </a:rPr>
-                        <a:t>(0, 4)</a:t>
-                      </a:r>
-                    </a:p>
-                  </a:txBody>
-                  <a:tcPr marL="125476" marR="125476" marT="62738" marB="62738" anchor="ctr">
-                    <a:lnT w="28575" cap="flat" cmpd="sng" algn="ctr">
-                      <a:solidFill>
-                        <a:schemeClr val="tx1"/>
-                      </a:solidFill>
-                      <a:prstDash val="solid"/>
-                      <a:round/>
-                      <a:headEnd type="none" w="med" len="med"/>
-                      <a:tailEnd type="none" w="med" len="med"/>
-                    </a:lnT>
-                    <a:solidFill>
-                      <a:schemeClr val="tx1">
-                        <a:alpha val="19778"/>
-                      </a:schemeClr>
-                    </a:solidFill>
-                  </a:tcPr>
-                </a:tc>
-                <a:tc>
-                  <a:txBody>
-                    <a:bodyPr/>
-                    <a:lstStyle/>
-                    <a:p>
-                      <a:pPr algn="ctr"/>
-                      <a:r>
-                        <a:rPr lang="en-CA" sz="2500" b="1" dirty="0">
-                          <a:solidFill>
-                            <a:schemeClr val="tx1"/>
-                          </a:solidFill>
-                        </a:rPr>
-                        <a:t>(0, 5)</a:t>
-                      </a:r>
-                    </a:p>
-                  </a:txBody>
-                  <a:tcPr marL="125476" marR="125476" marT="62738" marB="62738" anchor="ctr">
-                    <a:lnR w="28575" cap="flat" cmpd="sng" algn="ctr">
-                      <a:solidFill>
-                        <a:schemeClr val="tx1"/>
-                      </a:solidFill>
-                      <a:prstDash val="solid"/>
-                      <a:round/>
-                      <a:headEnd type="none" w="med" len="med"/>
-                      <a:tailEnd type="none" w="med" len="med"/>
-                    </a:lnR>
-                    <a:lnT w="28575" cap="flat" cmpd="sng" algn="ctr">
-                      <a:solidFill>
-                        <a:schemeClr val="tx1"/>
-                      </a:solidFill>
-                      <a:prstDash val="solid"/>
-                      <a:round/>
-                      <a:headEnd type="none" w="med" len="med"/>
-                      <a:tailEnd type="none" w="med" len="med"/>
-                    </a:lnT>
-                    <a:solidFill>
-                      <a:schemeClr val="tx1">
-                        <a:alpha val="19778"/>
-                      </a:schemeClr>
-                    </a:solidFill>
-                  </a:tcPr>
-                </a:tc>
-                <a:extLst>
-                  <a:ext uri="{0D108BD9-81ED-4DB2-BD59-A6C34878D82A}">
-                    <a16:rowId xmlns:a16="http://schemas.microsoft.com/office/drawing/2014/main" val="4174509116"/>
-                  </a:ext>
-                </a:extLst>
-              </a:tr>
-              <a:tr h="1057875">
-                <a:tc>
-                  <a:txBody>
-                    <a:bodyPr/>
-                    <a:lstStyle/>
-                    <a:p>
-                      <a:pPr algn="ctr"/>
-                      <a:r>
-                        <a:rPr lang="en-CA" sz="2500" b="1" dirty="0"/>
-                        <a:t>(1, 0)</a:t>
-                      </a:r>
-                    </a:p>
-                  </a:txBody>
-                  <a:tcPr marL="125476" marR="125476" marT="62738" marB="62738" anchor="ctr">
-                    <a:lnL w="28575" cap="flat" cmpd="sng" algn="ctr">
-                      <a:solidFill>
-                        <a:schemeClr val="tx1"/>
-                      </a:solidFill>
-                      <a:prstDash val="solid"/>
-                      <a:round/>
-                      <a:headEnd type="none" w="med" len="med"/>
-                      <a:tailEnd type="none" w="med" len="med"/>
-                    </a:lnL>
-                  </a:tcPr>
-                </a:tc>
-                <a:tc>
-                  <a:txBody>
-                    <a:bodyPr/>
-                    <a:lstStyle/>
-                    <a:p>
-                      <a:pPr algn="ctr"/>
-                      <a:r>
-                        <a:rPr lang="en-CA" sz="2500" b="1" dirty="0"/>
-                        <a:t>(1, 1)</a:t>
-                      </a:r>
-                    </a:p>
-                  </a:txBody>
-                  <a:tcPr marL="125476" marR="125476" marT="62738" marB="62738" anchor="ctr"/>
-                </a:tc>
-                <a:tc>
-                  <a:txBody>
-                    <a:bodyPr/>
-                    <a:lstStyle/>
-                    <a:p>
-                      <a:pPr algn="ctr"/>
-                      <a:r>
-                        <a:rPr lang="en-CA" sz="2500" b="1" dirty="0"/>
-                        <a:t>(1, 2)</a:t>
-                      </a:r>
-                    </a:p>
-                  </a:txBody>
-                  <a:tcPr marL="125476" marR="125476" marT="62738" marB="62738" anchor="ctr"/>
-                </a:tc>
-                <a:tc>
-                  <a:txBody>
-                    <a:bodyPr/>
-                    <a:lstStyle/>
-                    <a:p>
-                      <a:pPr algn="ctr"/>
-                      <a:r>
-                        <a:rPr lang="en-CA" sz="2500" b="1" dirty="0"/>
-                        <a:t>(1, 3)</a:t>
-                      </a:r>
-                    </a:p>
-                  </a:txBody>
-                  <a:tcPr marL="125476" marR="125476" marT="62738" marB="62738" anchor="ctr"/>
-                </a:tc>
-                <a:tc>
-                  <a:txBody>
-                    <a:bodyPr/>
-                    <a:lstStyle/>
-                    <a:p>
-                      <a:pPr algn="ctr"/>
-                      <a:r>
-                        <a:rPr lang="en-CA" sz="2500" b="1" dirty="0"/>
-                        <a:t>(1, 4)</a:t>
-                      </a:r>
-                    </a:p>
-                  </a:txBody>
-                  <a:tcPr marL="125476" marR="125476" marT="62738" marB="62738" anchor="ctr"/>
-                </a:tc>
-                <a:tc>
-                  <a:txBody>
-                    <a:bodyPr/>
-                    <a:lstStyle/>
-                    <a:p>
-                      <a:pPr algn="ctr"/>
-                      <a:r>
-                        <a:rPr lang="en-CA" sz="2500" b="1" dirty="0"/>
-                        <a:t>(1, 5)</a:t>
-                      </a:r>
-                    </a:p>
-                  </a:txBody>
-                  <a:tcPr marL="125476" marR="125476" marT="62738" marB="62738" anchor="ctr">
-                    <a:lnR w="28575" cap="flat" cmpd="sng" algn="ctr">
-                      <a:solidFill>
-                        <a:schemeClr val="tx1"/>
-                      </a:solidFill>
-                      <a:prstDash val="solid"/>
-                      <a:round/>
-                      <a:headEnd type="none" w="med" len="med"/>
-                      <a:tailEnd type="none" w="med" len="med"/>
-                    </a:lnR>
-                  </a:tcPr>
-                </a:tc>
-                <a:extLst>
-                  <a:ext uri="{0D108BD9-81ED-4DB2-BD59-A6C34878D82A}">
-                    <a16:rowId xmlns:a16="http://schemas.microsoft.com/office/drawing/2014/main" val="869178520"/>
-                  </a:ext>
-                </a:extLst>
-              </a:tr>
-              <a:tr h="1057875">
-                <a:tc>
-                  <a:txBody>
-                    <a:bodyPr/>
-                    <a:lstStyle/>
-                    <a:p>
-                      <a:pPr algn="ctr"/>
-                      <a:r>
-                        <a:rPr lang="en-CA" sz="2500" b="1" dirty="0"/>
-                        <a:t>(2, 0)</a:t>
-                      </a:r>
-                    </a:p>
-                  </a:txBody>
-                  <a:tcPr marL="125476" marR="125476" marT="62738" marB="62738" anchor="ctr">
-                    <a:lnL w="28575" cap="flat" cmpd="sng" algn="ctr">
-                      <a:solidFill>
-                        <a:schemeClr val="tx1"/>
-                      </a:solidFill>
-                      <a:prstDash val="solid"/>
-                      <a:round/>
-                      <a:headEnd type="none" w="med" len="med"/>
-                      <a:tailEnd type="none" w="med" len="med"/>
-                    </a:lnL>
-                  </a:tcPr>
-                </a:tc>
-                <a:tc>
-                  <a:txBody>
-                    <a:bodyPr/>
-                    <a:lstStyle/>
-                    <a:p>
-                      <a:pPr algn="ctr"/>
-                      <a:r>
-                        <a:rPr lang="en-CA" sz="2500" b="1" dirty="0"/>
-                        <a:t>(2, 1)</a:t>
-                      </a:r>
-                    </a:p>
-                  </a:txBody>
-                  <a:tcPr marL="125476" marR="125476" marT="62738" marB="62738" anchor="ctr"/>
-                </a:tc>
-                <a:tc>
-                  <a:txBody>
-                    <a:bodyPr/>
-                    <a:lstStyle/>
-                    <a:p>
-                      <a:pPr algn="ctr"/>
-                      <a:r>
-                        <a:rPr lang="en-CA" sz="2500" b="1" dirty="0"/>
-                        <a:t>(2, 2)</a:t>
-                      </a:r>
-                    </a:p>
-                  </a:txBody>
-                  <a:tcPr marL="125476" marR="125476" marT="62738" marB="62738" anchor="ctr"/>
-                </a:tc>
-                <a:tc>
-                  <a:txBody>
-                    <a:bodyPr/>
-                    <a:lstStyle/>
-                    <a:p>
-                      <a:pPr algn="ctr"/>
-                      <a:r>
-                        <a:rPr lang="en-CA" sz="2500" b="1" dirty="0"/>
-                        <a:t>(2, 3)</a:t>
-                      </a:r>
-                    </a:p>
-                  </a:txBody>
-                  <a:tcPr marL="125476" marR="125476" marT="62738" marB="62738" anchor="ctr"/>
-                </a:tc>
-                <a:tc>
-                  <a:txBody>
-                    <a:bodyPr/>
-                    <a:lstStyle/>
-                    <a:p>
-                      <a:pPr algn="ctr"/>
-                      <a:r>
-                        <a:rPr lang="en-CA" sz="2500" b="1" dirty="0"/>
-                        <a:t>(2, 4)</a:t>
-                      </a:r>
-                    </a:p>
-                  </a:txBody>
-                  <a:tcPr marL="125476" marR="125476" marT="62738" marB="62738" anchor="ctr"/>
-                </a:tc>
-                <a:tc>
-                  <a:txBody>
-                    <a:bodyPr/>
-                    <a:lstStyle/>
-                    <a:p>
-                      <a:pPr algn="ctr"/>
-                      <a:r>
-                        <a:rPr lang="en-CA" sz="2500" b="1" dirty="0"/>
-                        <a:t>(2, 5)</a:t>
-                      </a:r>
-                    </a:p>
-                  </a:txBody>
-                  <a:tcPr marL="125476" marR="125476" marT="62738" marB="62738" anchor="ctr">
-                    <a:lnR w="28575" cap="flat" cmpd="sng" algn="ctr">
-                      <a:solidFill>
-                        <a:schemeClr val="tx1"/>
-                      </a:solidFill>
-                      <a:prstDash val="solid"/>
-                      <a:round/>
-                      <a:headEnd type="none" w="med" len="med"/>
-                      <a:tailEnd type="none" w="med" len="med"/>
-                    </a:lnR>
-                  </a:tcPr>
-                </a:tc>
-                <a:extLst>
-                  <a:ext uri="{0D108BD9-81ED-4DB2-BD59-A6C34878D82A}">
-                    <a16:rowId xmlns:a16="http://schemas.microsoft.com/office/drawing/2014/main" val="1972965025"/>
-                  </a:ext>
-                </a:extLst>
-              </a:tr>
-              <a:tr h="1057875">
-                <a:tc>
-                  <a:txBody>
-                    <a:bodyPr/>
-                    <a:lstStyle/>
-                    <a:p>
-                      <a:pPr algn="ctr"/>
-                      <a:r>
-                        <a:rPr lang="en-CA" sz="2500" b="1" dirty="0"/>
-                        <a:t>(3, 0)</a:t>
-                      </a:r>
-                    </a:p>
-                  </a:txBody>
-                  <a:tcPr marL="125476" marR="125476" marT="62738" marB="62738" anchor="ctr">
-                    <a:lnL w="28575" cap="flat" cmpd="sng" algn="ctr">
-                      <a:solidFill>
-                        <a:schemeClr val="tx1"/>
-                      </a:solidFill>
-                      <a:prstDash val="solid"/>
-                      <a:round/>
-                      <a:headEnd type="none" w="med" len="med"/>
-                      <a:tailEnd type="none" w="med" len="med"/>
-                    </a:lnL>
-                  </a:tcPr>
-                </a:tc>
-                <a:tc>
-                  <a:txBody>
-                    <a:bodyPr/>
-                    <a:lstStyle/>
-                    <a:p>
-                      <a:pPr algn="ctr"/>
-                      <a:r>
-                        <a:rPr lang="en-CA" sz="2500" b="1" dirty="0"/>
-                        <a:t>(3, 1)</a:t>
-                      </a:r>
-                    </a:p>
-                  </a:txBody>
-                  <a:tcPr marL="125476" marR="125476" marT="62738" marB="62738" anchor="ctr"/>
-                </a:tc>
-                <a:tc>
-                  <a:txBody>
-                    <a:bodyPr/>
-                    <a:lstStyle/>
-                    <a:p>
-                      <a:pPr algn="ctr"/>
-                      <a:r>
-                        <a:rPr lang="en-CA" sz="2500" b="1" dirty="0"/>
-                        <a:t>(3, 2)</a:t>
-                      </a:r>
-                    </a:p>
-                  </a:txBody>
-                  <a:tcPr marL="125476" marR="125476" marT="62738" marB="62738" anchor="ctr"/>
-                </a:tc>
-                <a:tc>
-                  <a:txBody>
-                    <a:bodyPr/>
-                    <a:lstStyle/>
-                    <a:p>
-                      <a:pPr algn="ctr"/>
-                      <a:r>
-                        <a:rPr lang="en-CA" sz="2500" b="1" dirty="0"/>
-                        <a:t>(3, 3)</a:t>
-                      </a:r>
-                    </a:p>
-                  </a:txBody>
-                  <a:tcPr marL="125476" marR="125476" marT="62738" marB="62738" anchor="ctr"/>
-                </a:tc>
-                <a:tc>
-                  <a:txBody>
-                    <a:bodyPr/>
-                    <a:lstStyle/>
-                    <a:p>
-                      <a:pPr algn="ctr"/>
-                      <a:r>
-                        <a:rPr lang="en-CA" sz="2500" b="1" dirty="0"/>
-                        <a:t>(3, 4)</a:t>
-                      </a:r>
-                    </a:p>
-                  </a:txBody>
-                  <a:tcPr marL="125476" marR="125476" marT="62738" marB="62738" anchor="ctr"/>
-                </a:tc>
-                <a:tc>
-                  <a:txBody>
-                    <a:bodyPr/>
-                    <a:lstStyle/>
-                    <a:p>
-                      <a:pPr algn="ctr"/>
-                      <a:r>
-                        <a:rPr lang="en-CA" sz="2500" b="1" dirty="0"/>
-                        <a:t>(3, 5)</a:t>
-                      </a:r>
-                    </a:p>
-                  </a:txBody>
-                  <a:tcPr marL="125476" marR="125476" marT="62738" marB="62738" anchor="ctr">
-                    <a:lnR w="28575" cap="flat" cmpd="sng" algn="ctr">
-                      <a:solidFill>
-                        <a:schemeClr val="tx1"/>
-                      </a:solidFill>
-                      <a:prstDash val="solid"/>
-                      <a:round/>
-                      <a:headEnd type="none" w="med" len="med"/>
-                      <a:tailEnd type="none" w="med" len="med"/>
-                    </a:lnR>
-                  </a:tcPr>
-                </a:tc>
-                <a:extLst>
-                  <a:ext uri="{0D108BD9-81ED-4DB2-BD59-A6C34878D82A}">
-                    <a16:rowId xmlns:a16="http://schemas.microsoft.com/office/drawing/2014/main" val="578959827"/>
-                  </a:ext>
-                </a:extLst>
-              </a:tr>
-              <a:tr h="1057875">
-                <a:tc>
-                  <a:txBody>
-                    <a:bodyPr/>
-                    <a:lstStyle/>
-                    <a:p>
-                      <a:pPr algn="ctr"/>
-                      <a:r>
-                        <a:rPr lang="en-CA" sz="2500" b="1" dirty="0"/>
-                        <a:t>(4, 0)</a:t>
-                      </a:r>
-                    </a:p>
-                  </a:txBody>
-                  <a:tcPr marL="125476" marR="125476" marT="62738" marB="62738" anchor="ctr">
-                    <a:lnL w="28575" cap="flat" cmpd="sng" algn="ctr">
-                      <a:solidFill>
-                        <a:schemeClr val="tx1"/>
-                      </a:solidFill>
-                      <a:prstDash val="solid"/>
-                      <a:round/>
-                      <a:headEnd type="none" w="med" len="med"/>
-                      <a:tailEnd type="none" w="med" len="med"/>
-                    </a:lnL>
-                    <a:lnB w="28575" cap="flat" cmpd="sng" algn="ctr">
-                      <a:solidFill>
-                        <a:schemeClr val="tx1"/>
-                      </a:solidFill>
-                      <a:prstDash val="solid"/>
-                      <a:round/>
-                      <a:headEnd type="none" w="med" len="med"/>
-                      <a:tailEnd type="none" w="med" len="med"/>
-                    </a:lnB>
-                  </a:tcPr>
-                </a:tc>
-                <a:tc>
-                  <a:txBody>
-                    <a:bodyPr/>
-                    <a:lstStyle/>
-                    <a:p>
-                      <a:pPr algn="ctr"/>
-                      <a:r>
-                        <a:rPr lang="en-CA" sz="2500" b="1" dirty="0"/>
-                        <a:t>(4, 1)</a:t>
-                      </a:r>
-                    </a:p>
-                  </a:txBody>
-                  <a:tcPr marL="125476" marR="125476" marT="62738" marB="62738" anchor="ctr">
-                    <a:lnB w="28575" cap="flat" cmpd="sng" algn="ctr">
-                      <a:solidFill>
-                        <a:schemeClr val="tx1"/>
-                      </a:solidFill>
-                      <a:prstDash val="solid"/>
-                      <a:round/>
-                      <a:headEnd type="none" w="med" len="med"/>
-                      <a:tailEnd type="none" w="med" len="med"/>
-                    </a:lnB>
-                  </a:tcPr>
-                </a:tc>
-                <a:tc>
-                  <a:txBody>
-                    <a:bodyPr/>
-                    <a:lstStyle/>
-                    <a:p>
-                      <a:pPr algn="ctr"/>
-                      <a:r>
-                        <a:rPr lang="en-CA" sz="2500" b="1" dirty="0"/>
-                        <a:t>(4, 2)</a:t>
-                      </a:r>
-                    </a:p>
-                  </a:txBody>
-                  <a:tcPr marL="125476" marR="125476" marT="62738" marB="62738" anchor="ctr">
-                    <a:lnB w="28575" cap="flat" cmpd="sng" algn="ctr">
-                      <a:solidFill>
-                        <a:schemeClr val="tx1"/>
-                      </a:solidFill>
-                      <a:prstDash val="solid"/>
-                      <a:round/>
-                      <a:headEnd type="none" w="med" len="med"/>
-                      <a:tailEnd type="none" w="med" len="med"/>
-                    </a:lnB>
-                  </a:tcPr>
-                </a:tc>
-                <a:tc>
-                  <a:txBody>
-                    <a:bodyPr/>
-                    <a:lstStyle/>
-                    <a:p>
-                      <a:pPr algn="ctr"/>
-                      <a:r>
-                        <a:rPr lang="en-CA" sz="2500" b="1" dirty="0"/>
-                        <a:t>(4, 3)</a:t>
-                      </a:r>
-                    </a:p>
-                  </a:txBody>
-                  <a:tcPr marL="125476" marR="125476" marT="62738" marB="62738" anchor="ctr">
-                    <a:lnB w="28575" cap="flat" cmpd="sng" algn="ctr">
-                      <a:solidFill>
-                        <a:schemeClr val="tx1"/>
-                      </a:solidFill>
-                      <a:prstDash val="solid"/>
-                      <a:round/>
-                      <a:headEnd type="none" w="med" len="med"/>
-                      <a:tailEnd type="none" w="med" len="med"/>
-                    </a:lnB>
-                  </a:tcPr>
-                </a:tc>
-                <a:tc>
-                  <a:txBody>
-                    <a:bodyPr/>
-                    <a:lstStyle/>
-                    <a:p>
-                      <a:pPr algn="ctr"/>
-                      <a:r>
-                        <a:rPr lang="en-CA" sz="2500" b="1" dirty="0"/>
-                        <a:t>(4, 4)</a:t>
-                      </a:r>
-                    </a:p>
-                  </a:txBody>
-                  <a:tcPr marL="125476" marR="125476" marT="62738" marB="62738" anchor="ctr">
-                    <a:lnB w="28575" cap="flat" cmpd="sng" algn="ctr">
-                      <a:solidFill>
-                        <a:schemeClr val="tx1"/>
-                      </a:solidFill>
-                      <a:prstDash val="solid"/>
-                      <a:round/>
-                      <a:headEnd type="none" w="med" len="med"/>
-                      <a:tailEnd type="none" w="med" len="med"/>
-                    </a:lnB>
-                  </a:tcPr>
-                </a:tc>
-                <a:tc>
-                  <a:txBody>
-                    <a:bodyPr/>
-                    <a:lstStyle/>
-                    <a:p>
-                      <a:pPr algn="ctr"/>
-                      <a:r>
-                        <a:rPr lang="en-CA" sz="2500" b="1" dirty="0"/>
-                        <a:t>(4, 5)</a:t>
-                      </a:r>
-                    </a:p>
-                  </a:txBody>
-                  <a:tcPr marL="125476" marR="125476" marT="62738" marB="62738" anchor="ctr">
-                    <a:lnR w="28575" cap="flat" cmpd="sng" algn="ctr">
-                      <a:solidFill>
-                        <a:schemeClr val="tx1"/>
-                      </a:solidFill>
-                      <a:prstDash val="solid"/>
-                      <a:round/>
-                      <a:headEnd type="none" w="med" len="med"/>
-                      <a:tailEnd type="none" w="med" len="med"/>
-                    </a:lnR>
-                    <a:lnB w="28575" cap="flat" cmpd="sng" algn="ctr">
-                      <a:solidFill>
-                        <a:schemeClr val="tx1"/>
-                      </a:solidFill>
-                      <a:prstDash val="solid"/>
-                      <a:round/>
-                      <a:headEnd type="none" w="med" len="med"/>
-                      <a:tailEnd type="none" w="med" len="med"/>
-                    </a:lnB>
-                  </a:tcPr>
-                </a:tc>
-                <a:extLst>
-                  <a:ext uri="{0D108BD9-81ED-4DB2-BD59-A6C34878D82A}">
-                    <a16:rowId xmlns:a16="http://schemas.microsoft.com/office/drawing/2014/main" val="85115382"/>
-                  </a:ext>
-                </a:extLst>
-              </a:tr>
-            </a:tbl>
-          </a:graphicData>
-        </a:graphic>
-      </p:graphicFrame>
-      <p:sp>
-        <p:nvSpPr>
-          <p:cNvPr id="4" name="TextBox 3">
-            <a:extLst>
-              <a:ext uri="{FF2B5EF4-FFF2-40B4-BE49-F238E27FC236}">
-                <a16:creationId xmlns:a16="http://schemas.microsoft.com/office/drawing/2014/main" id="{388492A2-1F09-4B96-CC84-50CF5D7AD05E}"/>
-              </a:ext>
-            </a:extLst>
-          </p:cNvPr>
-          <p:cNvSpPr txBox="1"/>
-          <p:nvPr/>
-        </p:nvSpPr>
-        <p:spPr>
-          <a:xfrm>
-            <a:off x="3419280" y="6067168"/>
-            <a:ext cx="2305439" cy="584775"/>
-          </a:xfrm>
-          <a:prstGeom prst="rect">
-            <a:avLst/>
-          </a:prstGeom>
-          <a:noFill/>
-        </p:spPr>
-        <p:txBody>
-          <a:bodyPr wrap="none" rtlCol="0">
-            <a:spAutoFit/>
-          </a:bodyPr>
-          <a:lstStyle/>
-          <a:p>
-            <a:r>
-              <a:rPr lang="en-CA" sz="3200" b="1" dirty="0"/>
-              <a:t>Shape: (5, 6)</a:t>
-            </a:r>
-          </a:p>
-        </p:txBody>
-      </p:sp>
-      <p:sp>
-        <p:nvSpPr>
-          <p:cNvPr id="5" name="TextBox 4">
-            <a:extLst>
-              <a:ext uri="{FF2B5EF4-FFF2-40B4-BE49-F238E27FC236}">
-                <a16:creationId xmlns:a16="http://schemas.microsoft.com/office/drawing/2014/main" id="{D5252BC9-85EA-823B-57EC-C6FB43215009}"/>
-              </a:ext>
-            </a:extLst>
-          </p:cNvPr>
-          <p:cNvSpPr txBox="1"/>
-          <p:nvPr/>
-        </p:nvSpPr>
-        <p:spPr>
-          <a:xfrm>
-            <a:off x="494270" y="58231"/>
-            <a:ext cx="2762295" cy="523220"/>
-          </a:xfrm>
-          <a:prstGeom prst="rect">
-            <a:avLst/>
-          </a:prstGeom>
-          <a:noFill/>
-        </p:spPr>
-        <p:txBody>
-          <a:bodyPr wrap="none" rtlCol="0">
-            <a:spAutoFit/>
-          </a:bodyPr>
-          <a:lstStyle/>
-          <a:p>
-            <a:r>
-              <a:rPr lang="en-CA" sz="2800" b="1" dirty="0" err="1">
-                <a:latin typeface="Roboto Mono" pitchFamily="2" charset="0"/>
-                <a:ea typeface="Roboto Mono" pitchFamily="2" charset="0"/>
-              </a:rPr>
-              <a:t>my_array</a:t>
-            </a:r>
-            <a:r>
-              <a:rPr lang="en-CA" sz="2800" b="1" dirty="0">
-                <a:latin typeface="Roboto Mono" pitchFamily="2" charset="0"/>
-                <a:ea typeface="Roboto Mono" pitchFamily="2" charset="0"/>
-              </a:rPr>
-              <a:t>[0]?</a:t>
-            </a:r>
-          </a:p>
-        </p:txBody>
-      </p:sp>
-    </p:spTree>
-    <p:extLst>
-      <p:ext uri="{BB962C8B-B14F-4D97-AF65-F5344CB8AC3E}">
-        <p14:creationId xmlns:p14="http://schemas.microsoft.com/office/powerpoint/2010/main" val="842828176"/>
-      </p:ext>
-    </p:extLst>
-  </p:cSld>
-  <p:clrMapOvr>
-    <a:masterClrMapping/>
-  </p:clrMapOvr>
-  <mc:AlternateContent xmlns:mc="http://schemas.openxmlformats.org/markup-compatibility/2006" xmlns:p159="http://schemas.microsoft.com/office/powerpoint/2015/09/main">
-    <mc:Choice Requires="p159">
-      <p:transition xmlns:p14="http://schemas.microsoft.com/office/powerpoint/2010/main" spd="slow" p14:dur="2000">
-        <p159:morph option="byChar"/>
-      </p:transition>
-    </mc:Choice>
-    <mc:Fallback xmlns="">
-      <p:transition spd="slow">
-        <p:fade/>
-      </p:transition>
-    </mc:Fallback>
-  </mc:AlternateContent>
 </p:sld>
 </file>
 

--- a/Slides/QLS-MiCM Data Processing in Python (Part 2) Workshop PPT.pptx
+++ b/Slides/QLS-MiCM Data Processing in Python (Part 2) Workshop PPT.pptx
@@ -237,7 +237,7 @@
           <a:p>
             <a:fld id="{9FF74AA5-8A3E-4FDB-94BB-BF4B31CB4E38}" type="datetimeFigureOut">
               <a:rPr lang="en-CA" smtClean="0"/>
-              <a:t>2025-02-22</a:t>
+              <a:t>2025-07-10</a:t>
             </a:fld>
             <a:endParaRPr lang="en-CA"/>
           </a:p>
@@ -414,7 +414,7 @@
           <a:p>
             <a:fld id="{217E5156-1B5D-054E-B5B2-E1B1BA160252}" type="datetimeFigureOut">
               <a:rPr lang="fr-FR" smtClean="0"/>
-              <a:t>22/02/2025</a:t>
+              <a:t>10/07/2025</a:t>
             </a:fld>
             <a:endParaRPr lang="fr-FR"/>
           </a:p>
@@ -3000,7 +3000,7 @@
               <a:rPr lang="en-CA" sz="1800" dirty="0">
                 <a:latin typeface="Helvetica Light"/>
               </a:rPr>
-              <a:t>February 25, 2025</a:t>
+              <a:t>July 21, 2025</a:t>
             </a:r>
             <a:endParaRPr lang="en-CA" dirty="0">
               <a:latin typeface="Helvetica Light"/>
@@ -13339,13 +13339,13 @@
   <p:clrMapOvr>
     <a:masterClrMapping/>
   </p:clrMapOvr>
-  <mc:AlternateContent xmlns:mc="http://schemas.openxmlformats.org/markup-compatibility/2006">
-    <mc:Choice xmlns:p159="http://schemas.microsoft.com/office/powerpoint/2015/09/main" Requires="p159">
+  <mc:AlternateContent xmlns:mc="http://schemas.openxmlformats.org/markup-compatibility/2006" xmlns:p159="http://schemas.microsoft.com/office/powerpoint/2015/09/main">
+    <mc:Choice Requires="p159">
       <p:transition xmlns:p14="http://schemas.microsoft.com/office/powerpoint/2010/main" spd="slow" p14:dur="2000">
         <p159:morph option="byObject"/>
       </p:transition>
     </mc:Choice>
-    <mc:Fallback>
+    <mc:Fallback xmlns="">
       <p:transition spd="slow">
         <p:fade/>
       </p:transition>
@@ -13987,8 +13987,8 @@
         </p:blipFill>
         <p:spPr>
           <a:xfrm>
-            <a:off x="1049352" y="2046066"/>
-            <a:ext cx="7045294" cy="3224434"/>
+            <a:off x="1296787" y="2147623"/>
+            <a:ext cx="6550424" cy="3021319"/>
           </a:xfrm>
           <a:prstGeom prst="rect">
             <a:avLst/>
@@ -14085,7 +14085,7 @@
         </p:spPr>
         <p:txBody>
           <a:bodyPr>
-            <a:normAutofit lnSpcReduction="10000"/>
+            <a:normAutofit fontScale="92500" lnSpcReduction="10000"/>
           </a:bodyPr>
           <a:lstStyle/>
           <a:p>
@@ -14129,27 +14129,8 @@
                 <a:latin typeface="Arial" panose="020B0604020202020204" pitchFamily="34" charset="0"/>
                 <a:ea typeface="Calibri" panose="020F0502020204030204" pitchFamily="34" charset="0"/>
               </a:rPr>
-              <a:t>In this 4-hour workshop, students will learn basic data processing skills using Python. Attendees will learn how to import code from other modules and packages to take advantage of the existing Python ecosystem. After seeing how to access packages, we will explore popular data analysis packages. We will see how to use NumPy to perform operations on large data arrays and how to use Matplotlib to generate clear data visualisations. Finally, we will discuss how to approach a new, unfamiliar package and learn how to use it.</a:t>
+              <a:t>In this 4-hour workshop, students will learn basic data processing skills using Python. Attendees will learn how to import code from other modules and packages to take advantage of the existing Python ecosystem. After seeing how to access packages, we will explore popular data analysis packages. We will see how to use NumPy to perform operations on large data arrays and how to use Matplotlib to generate clear data visualisations. We will also scratch the surface on using pandas to store data in tables. Along the way, we will discuss how to approach a new, unfamiliar package and learn how to use it.</a:t>
             </a:r>
-            <a:endParaRPr lang="en-CA" sz="1800" dirty="0">
-              <a:effectLst/>
-              <a:latin typeface="Arial" panose="020B0604020202020204" pitchFamily="34" charset="0"/>
-              <a:ea typeface="Arial" panose="020B0604020202020204" pitchFamily="34" charset="0"/>
-            </a:endParaRPr>
-          </a:p>
-          <a:p>
-            <a:pPr marL="0" indent="0">
-              <a:lnSpc>
-                <a:spcPct val="120000"/>
-              </a:lnSpc>
-              <a:spcBef>
-                <a:spcPts val="0"/>
-              </a:spcBef>
-              <a:spcAft>
-                <a:spcPts val="600"/>
-              </a:spcAft>
-              <a:buNone/>
-            </a:pPr>
             <a:endParaRPr lang="en-CA" sz="1800" b="1" dirty="0">
               <a:effectLst/>
               <a:latin typeface="Arial" panose="020B0604020202020204" pitchFamily="34" charset="0"/>
@@ -14256,11 +14237,29 @@
               </a:rPr>
               <a:t>Use Matplotlib to generate different types of plots to visualise data.</a:t>
             </a:r>
-            <a:endParaRPr lang="en-CA" sz="1800" dirty="0">
-              <a:effectLst/>
-              <a:latin typeface="Arial" panose="020B0604020202020204" pitchFamily="34" charset="0"/>
-              <a:ea typeface="Arial" panose="020B0604020202020204" pitchFamily="34" charset="0"/>
-            </a:endParaRPr>
+          </a:p>
+          <a:p>
+            <a:pPr marL="342900" indent="-342900">
+              <a:lnSpc>
+                <a:spcPct val="120000"/>
+              </a:lnSpc>
+              <a:spcBef>
+                <a:spcPts val="0"/>
+              </a:spcBef>
+              <a:spcAft>
+                <a:spcPts val="600"/>
+              </a:spcAft>
+              <a:buFont typeface="+mj-lt"/>
+              <a:buAutoNum type="arabicPeriod"/>
+            </a:pPr>
+            <a:r>
+              <a:rPr lang="en-CA" sz="1800" dirty="0">
+                <a:effectLst/>
+                <a:latin typeface="Arial" panose="020B0604020202020204" pitchFamily="34" charset="0"/>
+                <a:ea typeface="Arial" panose="020B0604020202020204" pitchFamily="34" charset="0"/>
+              </a:rPr>
+              <a:t>Use pandas to represent data stored in tables.</a:t>
+            </a:r>
           </a:p>
           <a:p>
             <a:pPr marL="342900" indent="-342900">

--- a/Slides/QLS-MiCM Data Processing in Python (Part 2) Workshop PPT.pptx
+++ b/Slides/QLS-MiCM Data Processing in Python (Part 2) Workshop PPT.pptx
@@ -237,7 +237,7 @@
           <a:p>
             <a:fld id="{9FF74AA5-8A3E-4FDB-94BB-BF4B31CB4E38}" type="datetimeFigureOut">
               <a:rPr lang="en-CA" smtClean="0"/>
-              <a:t>2025-07-10</a:t>
+              <a:t>2025-07-18</a:t>
             </a:fld>
             <a:endParaRPr lang="en-CA"/>
           </a:p>
@@ -414,7 +414,7 @@
           <a:p>
             <a:fld id="{217E5156-1B5D-054E-B5B2-E1B1BA160252}" type="datetimeFigureOut">
               <a:rPr lang="fr-FR" smtClean="0"/>
-              <a:t>10/07/2025</a:t>
+              <a:t>18/07/2025</a:t>
             </a:fld>
             <a:endParaRPr lang="fr-FR"/>
           </a:p>
@@ -2974,8 +2974,8 @@
         </p:nvSpPr>
         <p:spPr>
           <a:xfrm>
-            <a:off x="80296" y="6075446"/>
-            <a:ext cx="3567878" cy="646331"/>
+            <a:off x="0" y="5699665"/>
+            <a:ext cx="3567878" cy="923330"/>
           </a:xfrm>
           <a:prstGeom prst="rect">
             <a:avLst/>
@@ -2992,7 +2992,15 @@
               <a:rPr lang="en-CA" sz="1800" dirty="0">
                 <a:latin typeface="Helvetica Light"/>
               </a:rPr>
-              <a:t>Benjamin Rudski</a:t>
+              <a:t>Workshop lead: Benjamin Rudski</a:t>
+            </a:r>
+          </a:p>
+          <a:p>
+            <a:r>
+              <a:rPr lang="en-CA" sz="1800" dirty="0">
+                <a:latin typeface="Helvetica Light"/>
+              </a:rPr>
+              <a:t>Facilitator: Peyton McClelland</a:t>
             </a:r>
           </a:p>
           <a:p>
